--- a/typescript_unit_testing_with_vitest.pptx
+++ b/typescript_unit_testing_with_vitest.pptx
@@ -12426,8 +12426,12 @@
           <a:p>
             <a:pPr lvl="1"/>
             <a:r>
+              <a:rPr lang="nl-NL" dirty="0"/>
+              <a:t>New </a:t>
+            </a:r>
+            <a:r>
               <a:rPr lang="nl-NL" dirty="0" err="1"/>
-              <a:t>Fully</a:t>
+              <a:t>implementation</a:t>
             </a:r>
             <a:r>
               <a:rPr lang="nl-NL" dirty="0"/>
@@ -12471,28 +12475,17 @@
               <a:rPr lang="nl-NL" dirty="0" err="1"/>
               <a:t>FunctionApp</a:t>
             </a:r>
-            <a:endParaRPr lang="nl-NL" dirty="0"/>
-          </a:p>
-          <a:p>
-            <a:pPr lvl="1"/>
             <a:r>
               <a:rPr lang="nl-NL" dirty="0"/>
-              <a:t>2 HTTP Triggers</a:t>
-            </a:r>
-          </a:p>
-          <a:p>
-            <a:pPr lvl="1"/>
+              <a:t> </a:t>
+            </a:r>
+            <a:r>
+              <a:rPr lang="nl-NL" dirty="0" err="1"/>
+              <a:t>with</a:t>
+            </a:r>
             <a:r>
               <a:rPr lang="nl-NL" dirty="0"/>
-              <a:t>2 </a:t>
-            </a:r>
-            <a:r>
-              <a:rPr lang="nl-NL" dirty="0" err="1"/>
-              <a:t>Eventgrid</a:t>
-            </a:r>
-            <a:r>
-              <a:rPr lang="nl-NL" dirty="0"/>
-              <a:t> Triggers</a:t>
+              <a:t> HTTP Trigger</a:t>
             </a:r>
           </a:p>
           <a:p>
@@ -13415,9 +13408,29 @@
               <a:rPr lang="nl-NL" dirty="0" err="1"/>
               <a:t>NodeNext</a:t>
             </a:r>
+            <a:endParaRPr lang="nl-NL" dirty="0"/>
+          </a:p>
+          <a:p>
+            <a:pPr lvl="1"/>
+            <a:r>
+              <a:rPr lang="nl-NL" dirty="0"/>
+              <a:t>Has </a:t>
+            </a:r>
+            <a:r>
+              <a:rPr lang="nl-NL" dirty="0" err="1"/>
+              <a:t>the</a:t>
+            </a:r>
             <a:r>
               <a:rPr lang="nl-NL" dirty="0"/>
               <a:t> </a:t>
+            </a:r>
+            <a:r>
+              <a:rPr lang="nl-NL" dirty="0" err="1"/>
+              <a:t>biggest</a:t>
+            </a:r>
+            <a:r>
+              <a:rPr lang="nl-NL" dirty="0"/>
+              <a:t> impact!</a:t>
             </a:r>
           </a:p>
           <a:p>
@@ -13653,7 +13666,18 @@
               <a:rPr lang="nl-NL" dirty="0" err="1"/>
               <a:t>imports</a:t>
             </a:r>
-            <a:endParaRPr lang="nl-NL" dirty="0"/>
+            <a:r>
+              <a:rPr lang="nl-NL" dirty="0"/>
+              <a:t> </a:t>
+            </a:r>
+            <a:r>
+              <a:rPr lang="nl-NL" dirty="0" err="1"/>
+              <a:t>to</a:t>
+            </a:r>
+            <a:r>
+              <a:rPr lang="nl-NL" dirty="0"/>
+              <a:t> test file</a:t>
+            </a:r>
           </a:p>
           <a:p>
             <a:pPr lvl="1"/>
@@ -14166,36 +14190,6 @@
       </p:sp>
       <p:pic>
         <p:nvPicPr>
-          <p:cNvPr id="7" name="Picture 6">
-            <a:extLst>
-              <a:ext uri="{FF2B5EF4-FFF2-40B4-BE49-F238E27FC236}">
-                <a16:creationId xmlns:a16="http://schemas.microsoft.com/office/drawing/2014/main" id="{F8DCC919-4AA2-3610-51F6-5A4E72860469}"/>
-              </a:ext>
-            </a:extLst>
-          </p:cNvPr>
-          <p:cNvPicPr>
-            <a:picLocks noChangeAspect="1"/>
-          </p:cNvPicPr>
-          <p:nvPr/>
-        </p:nvPicPr>
-        <p:blipFill>
-          <a:blip r:embed="rId2"/>
-          <a:stretch>
-            <a:fillRect/>
-          </a:stretch>
-        </p:blipFill>
-        <p:spPr>
-          <a:xfrm>
-            <a:off x="77647" y="1507207"/>
-            <a:ext cx="4134287" cy="3258030"/>
-          </a:xfrm>
-          <a:prstGeom prst="rect">
-            <a:avLst/>
-          </a:prstGeom>
-        </p:spPr>
-      </p:pic>
-      <p:pic>
-        <p:nvPicPr>
           <p:cNvPr id="9" name="Picture 8">
             <a:extLst>
               <a:ext uri="{FF2B5EF4-FFF2-40B4-BE49-F238E27FC236}">
@@ -14209,7 +14203,7 @@
           <p:nvPr/>
         </p:nvPicPr>
         <p:blipFill>
-          <a:blip r:embed="rId3"/>
+          <a:blip r:embed="rId2"/>
           <a:stretch>
             <a:fillRect/>
           </a:stretch>
@@ -14260,6 +14254,36 @@
           </a:p>
         </p:txBody>
       </p:sp>
+      <p:pic>
+        <p:nvPicPr>
+          <p:cNvPr id="11" name="Picture 10">
+            <a:extLst>
+              <a:ext uri="{FF2B5EF4-FFF2-40B4-BE49-F238E27FC236}">
+                <a16:creationId xmlns:a16="http://schemas.microsoft.com/office/drawing/2014/main" id="{4EC407EA-3B0E-62EB-57EB-9B4DDF513E76}"/>
+              </a:ext>
+            </a:extLst>
+          </p:cNvPr>
+          <p:cNvPicPr>
+            <a:picLocks noChangeAspect="1"/>
+          </p:cNvPicPr>
+          <p:nvPr/>
+        </p:nvPicPr>
+        <p:blipFill>
+          <a:blip r:embed="rId3"/>
+          <a:stretch>
+            <a:fillRect/>
+          </a:stretch>
+        </p:blipFill>
+        <p:spPr>
+          <a:xfrm>
+            <a:off x="77647" y="1699543"/>
+            <a:ext cx="3762836" cy="2187848"/>
+          </a:xfrm>
+          <a:prstGeom prst="rect">
+            <a:avLst/>
+          </a:prstGeom>
+        </p:spPr>
+      </p:pic>
     </p:spTree>
     <p:extLst>
       <p:ext uri="{BB962C8B-B14F-4D97-AF65-F5344CB8AC3E}">

--- a/typescript_unit_testing_with_vitest.pptx
+++ b/typescript_unit_testing_with_vitest.pptx
@@ -6123,7 +6123,7 @@
           <a:p>
             <a:fld id="{DDF2FCE7-7AFA-9242-BECB-A61CE0BE95A1}" type="datetimeFigureOut">
               <a:rPr lang="nl-NL" smtClean="0"/>
-              <a:t>9-11-2024</a:t>
+              <a:t>10-11-2024</a:t>
             </a:fld>
             <a:endParaRPr lang="nl-NL"/>
           </a:p>
@@ -32606,22 +32606,6 @@
             </a:r>
             <a:r>
               <a:rPr lang="en-US" dirty="0" err="1"/>
-              <a:t>en</a:t>
-            </a:r>
-            <a:r>
-              <a:rPr lang="en-US" dirty="0"/>
-              <a:t> </a:t>
-            </a:r>
-            <a:r>
-              <a:rPr lang="en-US" dirty="0" err="1"/>
-              <a:t>projecten</a:t>
-            </a:r>
-            <a:r>
-              <a:rPr lang="en-US" dirty="0"/>
-              <a:t> </a:t>
-            </a:r>
-            <a:r>
-              <a:rPr lang="en-US" dirty="0" err="1"/>
               <a:t>staan</a:t>
             </a:r>
             <a:r>
@@ -32653,30 +32637,10 @@
               <a:buNone/>
             </a:pPr>
             <a:r>
-              <a:rPr lang="en-US" u="sng" dirty="0">
-                <a:hlinkClick r:id="rId2"/>
-              </a:rPr>
-              <a:t>AMIS-Services/sig-</a:t>
-            </a:r>
-            <a:r>
-              <a:rPr lang="en-US" u="sng" dirty="0" err="1">
-                <a:hlinkClick r:id="rId2"/>
-              </a:rPr>
-              <a:t>javascript</a:t>
-            </a:r>
-            <a:r>
-              <a:rPr lang="en-US" u="sng" dirty="0">
-                <a:hlinkClick r:id="rId2"/>
-              </a:rPr>
-              <a:t>-</a:t>
-            </a:r>
-            <a:r>
-              <a:rPr lang="en-US" u="sng" dirty="0" err="1">
-                <a:hlinkClick r:id="rId2"/>
-              </a:rPr>
-              <a:t>unittesting</a:t>
-            </a:r>
-            <a:endParaRPr lang="en-NL" u="sng" dirty="0"/>
+              <a:rPr lang="en-US" dirty="0"/>
+              <a:t>https://github.com/AMISConclusion/sig-typescript-unit-testing</a:t>
+            </a:r>
+            <a:endParaRPr lang="en-NL" dirty="0"/>
           </a:p>
         </p:txBody>
       </p:sp>
@@ -34155,6 +34119,21 @@
 </file>
 
 <file path=customXml/item1.xml><?xml version="1.0" encoding="utf-8"?>
+<?mso-contentType ?>
+<FormTemplates xmlns="http://schemas.microsoft.com/sharepoint/v3/contenttype/forms">
+  <Display>DocumentLibraryForm</Display>
+  <Edit>DocumentLibraryForm</Edit>
+  <New>DocumentLibraryForm</New>
+</FormTemplates>
+</file>
+
+<file path=customXml/item2.xml><?xml version="1.0" encoding="utf-8"?>
+<p:properties xmlns:p="http://schemas.microsoft.com/office/2006/metadata/properties" xmlns:xsi="http://www.w3.org/2001/XMLSchema-instance" xmlns:pc="http://schemas.microsoft.com/office/infopath/2007/PartnerControls">
+  <documentManagement/>
+</p:properties>
+</file>
+
+<file path=customXml/item3.xml><?xml version="1.0" encoding="utf-8"?>
 <ct:contentTypeSchema xmlns:ct="http://schemas.microsoft.com/office/2006/metadata/contentType" xmlns:ma="http://schemas.microsoft.com/office/2006/metadata/properties/metaAttributes" ct:_="" ma:_="" ma:contentTypeName="Document" ma:contentTypeID="0x010100E60B9E64A7B90B499F767EB2F0BD9B16" ma:contentTypeVersion="6" ma:contentTypeDescription="Een nieuw document maken." ma:contentTypeScope="" ma:versionID="b06164b3fd5da11ca9f7bb1b82024672">
   <xsd:schema xmlns:xsd="http://www.w3.org/2001/XMLSchema" xmlns:xs="http://www.w3.org/2001/XMLSchema" xmlns:p="http://schemas.microsoft.com/office/2006/metadata/properties" xmlns:ns2="bd3a200e-a112-4432-b134-79c9e3991b87" xmlns:ns3="a74c57c6-afd1-46a5-a503-29300b13d321" targetNamespace="http://schemas.microsoft.com/office/2006/metadata/properties" ma:root="true" ma:fieldsID="12483fe1a591bf0ffa72e05baf87ef3d" ns2:_="" ns3:_="">
     <xsd:import namespace="bd3a200e-a112-4432-b134-79c9e3991b87"/>
@@ -34331,22 +34310,24 @@
 </ct:contentTypeSchema>
 </file>
 
-<file path=customXml/item2.xml><?xml version="1.0" encoding="utf-8"?>
-<?mso-contentType ?>
-<FormTemplates xmlns="http://schemas.microsoft.com/sharepoint/v3/contenttype/forms">
-  <Display>DocumentLibraryForm</Display>
-  <Edit>DocumentLibraryForm</Edit>
-  <New>DocumentLibraryForm</New>
-</FormTemplates>
+<file path=customXml/itemProps1.xml><?xml version="1.0" encoding="utf-8"?>
+<ds:datastoreItem xmlns:ds="http://schemas.openxmlformats.org/officeDocument/2006/customXml" ds:itemID="{15DF2822-16E4-4479-B239-41A079CBB65B}">
+  <ds:schemaRefs>
+    <ds:schemaRef ds:uri="http://schemas.microsoft.com/sharepoint/v3/contenttype/forms"/>
+  </ds:schemaRefs>
+</ds:datastoreItem>
 </file>
 
-<file path=customXml/item3.xml><?xml version="1.0" encoding="utf-8"?>
-<p:properties xmlns:p="http://schemas.microsoft.com/office/2006/metadata/properties" xmlns:xsi="http://www.w3.org/2001/XMLSchema-instance" xmlns:pc="http://schemas.microsoft.com/office/infopath/2007/PartnerControls">
-  <documentManagement/>
-</p:properties>
+<file path=customXml/itemProps2.xml><?xml version="1.0" encoding="utf-8"?>
+<ds:datastoreItem xmlns:ds="http://schemas.openxmlformats.org/officeDocument/2006/customXml" ds:itemID="{63653586-D9AD-4A7C-AE25-8F164514A81A}">
+  <ds:schemaRefs>
+    <ds:schemaRef ds:uri="http://schemas.microsoft.com/office/2006/metadata/properties"/>
+    <ds:schemaRef ds:uri="http://schemas.microsoft.com/office/infopath/2007/PartnerControls"/>
+  </ds:schemaRefs>
+</ds:datastoreItem>
 </file>
 
-<file path=customXml/itemProps1.xml><?xml version="1.0" encoding="utf-8"?>
+<file path=customXml/itemProps3.xml><?xml version="1.0" encoding="utf-8"?>
 <ds:datastoreItem xmlns:ds="http://schemas.openxmlformats.org/officeDocument/2006/customXml" ds:itemID="{3820B2B8-E73A-4CEA-B66F-D4C256B09F5E}">
   <ds:schemaRefs>
     <ds:schemaRef ds:uri="http://schemas.microsoft.com/office/2006/metadata/contentType"/>
@@ -34363,21 +34344,4 @@
     <ds:schemaRef ds:uri="http://schemas.microsoft.com/internal/obd"/>
   </ds:schemaRefs>
 </ds:datastoreItem>
-</file>
-
-<file path=customXml/itemProps2.xml><?xml version="1.0" encoding="utf-8"?>
-<ds:datastoreItem xmlns:ds="http://schemas.openxmlformats.org/officeDocument/2006/customXml" ds:itemID="{15DF2822-16E4-4479-B239-41A079CBB65B}">
-  <ds:schemaRefs>
-    <ds:schemaRef ds:uri="http://schemas.microsoft.com/sharepoint/v3/contenttype/forms"/>
-  </ds:schemaRefs>
-</ds:datastoreItem>
-</file>
-
-<file path=customXml/itemProps3.xml><?xml version="1.0" encoding="utf-8"?>
-<ds:datastoreItem xmlns:ds="http://schemas.openxmlformats.org/officeDocument/2006/customXml" ds:itemID="{63653586-D9AD-4A7C-AE25-8F164514A81A}">
-  <ds:schemaRefs>
-    <ds:schemaRef ds:uri="http://schemas.microsoft.com/office/2006/metadata/properties"/>
-    <ds:schemaRef ds:uri="http://schemas.microsoft.com/office/infopath/2007/PartnerControls"/>
-  </ds:schemaRefs>
-</ds:datastoreItem>
 </file>
--- a/typescript_unit_testing_with_vitest.pptx
+++ b/typescript_unit_testing_with_vitest.pptx
@@ -22,8 +22,8 @@
     <p:sldId id="382" r:id="rId16"/>
     <p:sldId id="384" r:id="rId17"/>
     <p:sldId id="385" r:id="rId18"/>
-    <p:sldId id="383" r:id="rId19"/>
-    <p:sldId id="386" r:id="rId20"/>
+    <p:sldId id="386" r:id="rId19"/>
+    <p:sldId id="383" r:id="rId20"/>
     <p:sldId id="387" r:id="rId21"/>
     <p:sldId id="388" r:id="rId22"/>
     <p:sldId id="390" r:id="rId23"/>
@@ -9262,7 +9262,7 @@
           <a:lstStyle/>
           <a:p>
             <a:r>
-              <a:rPr lang="en-US" sz="2400" dirty="0" err="1">
+              <a:rPr lang="en-US" sz="2400" dirty="0">
                 <a:solidFill>
                   <a:schemeClr val="tx1">
                     <a:lumMod val="75000"/>
@@ -9270,18 +9270,7 @@
                   </a:schemeClr>
                 </a:solidFill>
               </a:rPr>
-              <a:t>Programma</a:t>
-            </a:r>
-            <a:r>
-              <a:rPr lang="en-US" sz="2400" dirty="0">
-                <a:solidFill>
-                  <a:schemeClr val="tx1">
-                    <a:lumMod val="75000"/>
-                    <a:lumOff val="25000"/>
-                  </a:schemeClr>
-                </a:solidFill>
-              </a:rPr>
-              <a:t>:</a:t>
+              <a:t>Meeting agenda</a:t>
             </a:r>
           </a:p>
           <a:p>
@@ -9643,7 +9632,15 @@
             </a:r>
             <a:r>
               <a:rPr lang="nl-NL" dirty="0"/>
-              <a:t> as new standard but </a:t>
+              <a:t> as new standard but a lot of </a:t>
+            </a:r>
+            <a:r>
+              <a:rPr lang="nl-NL" dirty="0" err="1"/>
+              <a:t>JavaScript</a:t>
+            </a:r>
+            <a:r>
+              <a:rPr lang="nl-NL" dirty="0"/>
+              <a:t> + </a:t>
             </a:r>
             <a:r>
               <a:rPr lang="nl-NL" dirty="0" err="1"/>
@@ -9651,11 +9648,11 @@
             </a:r>
             <a:r>
               <a:rPr lang="nl-NL" dirty="0"/>
-              <a:t> was </a:t>
+              <a:t> </a:t>
             </a:r>
             <a:r>
               <a:rPr lang="nl-NL" dirty="0" err="1"/>
-              <a:t>not</a:t>
+              <a:t>still</a:t>
             </a:r>
             <a:r>
               <a:rPr lang="nl-NL" dirty="0"/>
@@ -9663,7 +9660,14 @@
             </a:r>
             <a:r>
               <a:rPr lang="nl-NL" dirty="0" err="1"/>
-              <a:t>always</a:t>
+              <a:t>around</a:t>
+            </a:r>
+            <a:endParaRPr lang="nl-NL" dirty="0"/>
+          </a:p>
+          <a:p>
+            <a:r>
+              <a:rPr lang="nl-NL" dirty="0" err="1"/>
+              <a:t>Changing</a:t>
             </a:r>
             <a:r>
               <a:rPr lang="nl-NL" dirty="0"/>
@@ -9671,22 +9675,23 @@
             </a:r>
             <a:r>
               <a:rPr lang="nl-NL" dirty="0" err="1"/>
-              <a:t>replaced</a:t>
-            </a:r>
-            <a:endParaRPr lang="nl-NL" dirty="0"/>
-          </a:p>
-          <a:p>
+              <a:t>to</a:t>
+            </a:r>
+            <a:r>
+              <a:rPr lang="nl-NL" dirty="0"/>
+              <a:t> </a:t>
+            </a:r>
             <a:r>
               <a:rPr lang="nl-NL" dirty="0" err="1"/>
               <a:t>TypeScript</a:t>
             </a:r>
             <a:r>
               <a:rPr lang="nl-NL" dirty="0"/>
-              <a:t> standard </a:t>
+              <a:t> </a:t>
             </a:r>
             <a:r>
               <a:rPr lang="nl-NL" dirty="0" err="1"/>
-              <a:t>includes</a:t>
+              <a:t>should</a:t>
             </a:r>
             <a:r>
               <a:rPr lang="nl-NL" dirty="0"/>
@@ -9694,7 +9699,7 @@
             </a:r>
             <a:r>
               <a:rPr lang="nl-NL" dirty="0" err="1"/>
-              <a:t>Vitest</a:t>
+              <a:t>include</a:t>
             </a:r>
             <a:r>
               <a:rPr lang="nl-NL" dirty="0"/>
@@ -9702,9 +9707,12 @@
             </a:r>
             <a:r>
               <a:rPr lang="nl-NL" dirty="0" err="1"/>
-              <a:t>now</a:t>
-            </a:r>
-            <a:endParaRPr lang="nl-NL" dirty="0"/>
+              <a:t>Vitest</a:t>
+            </a:r>
+            <a:r>
+              <a:rPr lang="nl-NL" dirty="0"/>
+              <a:t> as well.</a:t>
+            </a:r>
           </a:p>
         </p:txBody>
       </p:sp>
@@ -9746,6 +9754,214 @@
   <p:clrMapOvr>
     <a:masterClrMapping/>
   </p:clrMapOvr>
+  <p:timing>
+    <p:tnLst>
+      <p:par>
+        <p:cTn id="1" dur="indefinite" restart="never" nodeType="tmRoot">
+          <p:childTnLst>
+            <p:seq concurrent="1" nextAc="seek">
+              <p:cTn id="2" dur="indefinite" nodeType="mainSeq">
+                <p:childTnLst>
+                  <p:par>
+                    <p:cTn id="3" fill="hold">
+                      <p:stCondLst>
+                        <p:cond delay="indefinite"/>
+                      </p:stCondLst>
+                      <p:childTnLst>
+                        <p:par>
+                          <p:cTn id="4" fill="hold">
+                            <p:stCondLst>
+                              <p:cond delay="0"/>
+                            </p:stCondLst>
+                            <p:childTnLst>
+                              <p:par>
+                                <p:cTn id="5" presetID="1" presetClass="entr" presetSubtype="0" fill="hold" nodeType="clickEffect">
+                                  <p:stCondLst>
+                                    <p:cond delay="0"/>
+                                  </p:stCondLst>
+                                  <p:childTnLst>
+                                    <p:set>
+                                      <p:cBhvr>
+                                        <p:cTn id="6" dur="1" fill="hold">
+                                          <p:stCondLst>
+                                            <p:cond delay="0"/>
+                                          </p:stCondLst>
+                                        </p:cTn>
+                                        <p:tgtEl>
+                                          <p:spTgt spid="3">
+                                            <p:txEl>
+                                              <p:pRg st="0" end="0"/>
+                                            </p:txEl>
+                                          </p:spTgt>
+                                        </p:tgtEl>
+                                        <p:attrNameLst>
+                                          <p:attrName>style.visibility</p:attrName>
+                                        </p:attrNameLst>
+                                      </p:cBhvr>
+                                      <p:to>
+                                        <p:strVal val="visible"/>
+                                      </p:to>
+                                    </p:set>
+                                  </p:childTnLst>
+                                </p:cTn>
+                              </p:par>
+                              <p:par>
+                                <p:cTn id="7" presetID="1" presetClass="entr" presetSubtype="0" fill="hold" nodeType="withEffect">
+                                  <p:stCondLst>
+                                    <p:cond delay="0"/>
+                                  </p:stCondLst>
+                                  <p:childTnLst>
+                                    <p:set>
+                                      <p:cBhvr>
+                                        <p:cTn id="8" dur="1" fill="hold">
+                                          <p:stCondLst>
+                                            <p:cond delay="0"/>
+                                          </p:stCondLst>
+                                        </p:cTn>
+                                        <p:tgtEl>
+                                          <p:spTgt spid="3">
+                                            <p:txEl>
+                                              <p:pRg st="1" end="1"/>
+                                            </p:txEl>
+                                          </p:spTgt>
+                                        </p:tgtEl>
+                                        <p:attrNameLst>
+                                          <p:attrName>style.visibility</p:attrName>
+                                        </p:attrNameLst>
+                                      </p:cBhvr>
+                                      <p:to>
+                                        <p:strVal val="visible"/>
+                                      </p:to>
+                                    </p:set>
+                                  </p:childTnLst>
+                                </p:cTn>
+                              </p:par>
+                            </p:childTnLst>
+                          </p:cTn>
+                        </p:par>
+                      </p:childTnLst>
+                    </p:cTn>
+                  </p:par>
+                  <p:par>
+                    <p:cTn id="9" fill="hold">
+                      <p:stCondLst>
+                        <p:cond delay="indefinite"/>
+                      </p:stCondLst>
+                      <p:childTnLst>
+                        <p:par>
+                          <p:cTn id="10" fill="hold">
+                            <p:stCondLst>
+                              <p:cond delay="0"/>
+                            </p:stCondLst>
+                            <p:childTnLst>
+                              <p:par>
+                                <p:cTn id="11" presetID="1" presetClass="entr" presetSubtype="0" fill="hold" nodeType="clickEffect">
+                                  <p:stCondLst>
+                                    <p:cond delay="0"/>
+                                  </p:stCondLst>
+                                  <p:childTnLst>
+                                    <p:set>
+                                      <p:cBhvr>
+                                        <p:cTn id="12" dur="1" fill="hold">
+                                          <p:stCondLst>
+                                            <p:cond delay="0"/>
+                                          </p:stCondLst>
+                                        </p:cTn>
+                                        <p:tgtEl>
+                                          <p:spTgt spid="3">
+                                            <p:txEl>
+                                              <p:pRg st="2" end="2"/>
+                                            </p:txEl>
+                                          </p:spTgt>
+                                        </p:tgtEl>
+                                        <p:attrNameLst>
+                                          <p:attrName>style.visibility</p:attrName>
+                                        </p:attrNameLst>
+                                      </p:cBhvr>
+                                      <p:to>
+                                        <p:strVal val="visible"/>
+                                      </p:to>
+                                    </p:set>
+                                  </p:childTnLst>
+                                </p:cTn>
+                              </p:par>
+                            </p:childTnLst>
+                          </p:cTn>
+                        </p:par>
+                      </p:childTnLst>
+                    </p:cTn>
+                  </p:par>
+                  <p:par>
+                    <p:cTn id="13" fill="hold">
+                      <p:stCondLst>
+                        <p:cond delay="indefinite"/>
+                      </p:stCondLst>
+                      <p:childTnLst>
+                        <p:par>
+                          <p:cTn id="14" fill="hold">
+                            <p:stCondLst>
+                              <p:cond delay="0"/>
+                            </p:stCondLst>
+                            <p:childTnLst>
+                              <p:par>
+                                <p:cTn id="15" presetID="1" presetClass="entr" presetSubtype="0" fill="hold" nodeType="clickEffect">
+                                  <p:stCondLst>
+                                    <p:cond delay="0"/>
+                                  </p:stCondLst>
+                                  <p:childTnLst>
+                                    <p:set>
+                                      <p:cBhvr>
+                                        <p:cTn id="16" dur="1" fill="hold">
+                                          <p:stCondLst>
+                                            <p:cond delay="0"/>
+                                          </p:stCondLst>
+                                        </p:cTn>
+                                        <p:tgtEl>
+                                          <p:spTgt spid="3">
+                                            <p:txEl>
+                                              <p:pRg st="3" end="3"/>
+                                            </p:txEl>
+                                          </p:spTgt>
+                                        </p:tgtEl>
+                                        <p:attrNameLst>
+                                          <p:attrName>style.visibility</p:attrName>
+                                        </p:attrNameLst>
+                                      </p:cBhvr>
+                                      <p:to>
+                                        <p:strVal val="visible"/>
+                                      </p:to>
+                                    </p:set>
+                                  </p:childTnLst>
+                                </p:cTn>
+                              </p:par>
+                            </p:childTnLst>
+                          </p:cTn>
+                        </p:par>
+                      </p:childTnLst>
+                    </p:cTn>
+                  </p:par>
+                </p:childTnLst>
+              </p:cTn>
+              <p:prevCondLst>
+                <p:cond evt="onPrev" delay="0">
+                  <p:tgtEl>
+                    <p:sldTgt/>
+                  </p:tgtEl>
+                </p:cond>
+              </p:prevCondLst>
+              <p:nextCondLst>
+                <p:cond evt="onNext" delay="0">
+                  <p:tgtEl>
+                    <p:sldTgt/>
+                  </p:tgtEl>
+                </p:cond>
+              </p:nextCondLst>
+            </p:seq>
+          </p:childTnLst>
+        </p:cTn>
+      </p:par>
+    </p:tnLst>
+  </p:timing>
 </p:sld>
 </file>
 
@@ -10112,7 +10328,15 @@
           <a:p>
             <a:r>
               <a:rPr lang="nl-NL" dirty="0"/>
-              <a:t>Old</a:t>
+              <a:t>Old (TS + </a:t>
+            </a:r>
+            <a:r>
+              <a:rPr lang="nl-NL" dirty="0" err="1"/>
+              <a:t>Jest</a:t>
+            </a:r>
+            <a:r>
+              <a:rPr lang="nl-NL" dirty="0"/>
+              <a:t>)</a:t>
             </a:r>
           </a:p>
           <a:p>
@@ -10599,6 +10823,14 @@
             <a:pPr lvl="1"/>
             <a:r>
               <a:rPr lang="nl-NL" dirty="0" err="1"/>
+              <a:t>Remove</a:t>
+            </a:r>
+            <a:r>
+              <a:rPr lang="nl-NL" dirty="0"/>
+              <a:t> / </a:t>
+            </a:r>
+            <a:r>
+              <a:rPr lang="nl-NL" dirty="0" err="1"/>
               <a:t>Disable</a:t>
             </a:r>
             <a:endParaRPr lang="nl-NL" dirty="0"/>
@@ -10681,8 +10913,8 @@
         </p:nvSpPr>
         <p:spPr>
           <a:xfrm>
-            <a:off x="4674724" y="1228745"/>
-            <a:ext cx="2994529" cy="200055"/>
+            <a:off x="4572000" y="1228745"/>
+            <a:ext cx="2994529" cy="230832"/>
           </a:xfrm>
           <a:prstGeom prst="rect">
             <a:avLst/>
@@ -10696,19 +10928,19 @@
           <a:lstStyle/>
           <a:p>
             <a:r>
-              <a:rPr lang="en-GB" sz="1300" dirty="0"/>
-              <a:t>Enable</a:t>
-            </a:r>
-            <a:endParaRPr lang="en-NL" sz="1300" dirty="0" err="1"/>
+              <a:rPr lang="en-GB" sz="1500" dirty="0"/>
+              <a:t>Install / Enable</a:t>
+            </a:r>
+            <a:endParaRPr lang="en-NL" sz="1500" dirty="0" err="1"/>
           </a:p>
         </p:txBody>
       </p:sp>
       <p:pic>
         <p:nvPicPr>
-          <p:cNvPr id="11" name="Picture 10">
+          <p:cNvPr id="6" name="Picture 5">
             <a:extLst>
               <a:ext uri="{FF2B5EF4-FFF2-40B4-BE49-F238E27FC236}">
-                <a16:creationId xmlns:a16="http://schemas.microsoft.com/office/drawing/2014/main" id="{BC224D31-7B8C-3CA7-2932-113744E10C97}"/>
+                <a16:creationId xmlns:a16="http://schemas.microsoft.com/office/drawing/2014/main" id="{BBBA3F65-874C-0127-03E3-75C498D72134}"/>
               </a:ext>
             </a:extLst>
           </p:cNvPr>
@@ -10725,8 +10957,8 @@
         </p:blipFill>
         <p:spPr>
           <a:xfrm>
-            <a:off x="4683105" y="1668139"/>
-            <a:ext cx="3267531" cy="1371791"/>
+            <a:off x="4572000" y="1587166"/>
+            <a:ext cx="4271284" cy="766869"/>
           </a:xfrm>
           <a:prstGeom prst="rect">
             <a:avLst/>
@@ -10829,12 +11061,82 @@
           <a:p>
             <a:pPr lvl="1"/>
             <a:r>
+              <a:rPr lang="nl-NL" dirty="0"/>
+              <a:t>Delete </a:t>
+            </a:r>
+            <a:r>
+              <a:rPr lang="nl-NL" i="1" dirty="0"/>
+              <a:t>jest.config.js </a:t>
+            </a:r>
+            <a:r>
+              <a:rPr lang="nl-NL" dirty="0"/>
+              <a:t>(</a:t>
+            </a:r>
+            <a:r>
               <a:rPr lang="nl-NL" dirty="0" err="1"/>
-              <a:t>Build</a:t>
+              <a:t>if</a:t>
             </a:r>
             <a:r>
               <a:rPr lang="nl-NL" dirty="0"/>
-              <a:t> Error</a:t>
+              <a:t> present)</a:t>
+            </a:r>
+          </a:p>
+          <a:p>
+            <a:pPr lvl="1"/>
+            <a:r>
+              <a:rPr lang="nl-NL" dirty="0" err="1"/>
+              <a:t>Add</a:t>
+            </a:r>
+            <a:r>
+              <a:rPr lang="nl-NL" dirty="0"/>
+              <a:t> </a:t>
+            </a:r>
+            <a:r>
+              <a:rPr lang="nl-NL" i="1" dirty="0" err="1"/>
+              <a:t>vitest.config.ts</a:t>
+            </a:r>
+            <a:r>
+              <a:rPr lang="nl-NL" dirty="0"/>
+              <a:t> en </a:t>
+            </a:r>
+            <a:r>
+              <a:rPr lang="nl-NL" i="1" dirty="0" err="1"/>
+              <a:t>vitest.setup.ts</a:t>
+            </a:r>
+            <a:r>
+              <a:rPr lang="nl-NL" i="1" dirty="0"/>
+              <a:t> </a:t>
+            </a:r>
+            <a:r>
+              <a:rPr lang="nl-NL" dirty="0"/>
+              <a:t>(AMIS TS Standard)</a:t>
+            </a:r>
+          </a:p>
+          <a:p>
+            <a:pPr lvl="1"/>
+            <a:r>
+              <a:rPr lang="nl-NL" dirty="0" err="1"/>
+              <a:t>Add</a:t>
+            </a:r>
+            <a:r>
+              <a:rPr lang="nl-NL" dirty="0"/>
+              <a:t> explicit </a:t>
+            </a:r>
+            <a:r>
+              <a:rPr lang="nl-NL" dirty="0" err="1"/>
+              <a:t>imports</a:t>
+            </a:r>
+            <a:r>
+              <a:rPr lang="nl-NL" dirty="0"/>
+              <a:t> </a:t>
+            </a:r>
+            <a:r>
+              <a:rPr lang="nl-NL" dirty="0" err="1"/>
+              <a:t>to</a:t>
+            </a:r>
+            <a:r>
+              <a:rPr lang="nl-NL" dirty="0"/>
+              <a:t> test file</a:t>
             </a:r>
           </a:p>
           <a:p>
@@ -10847,21 +11149,21 @@
           </a:p>
           <a:p>
             <a:pPr lvl="1"/>
-            <a:endParaRPr lang="nl-NL" dirty="0"/>
-          </a:p>
-          <a:p>
-            <a:pPr lvl="1"/>
-            <a:endParaRPr lang="nl-NL" dirty="0"/>
-          </a:p>
-          <a:p>
-            <a:pPr lvl="1"/>
             <a:r>
               <a:rPr lang="nl-NL" dirty="0"/>
-              <a:t>Update </a:t>
+              <a:t>First (</a:t>
             </a:r>
             <a:r>
               <a:rPr lang="nl-NL" dirty="0" err="1"/>
-              <a:t>moduleResolution</a:t>
+              <a:t>simple</a:t>
+            </a:r>
+            <a:r>
+              <a:rPr lang="nl-NL" dirty="0"/>
+              <a:t>) test </a:t>
+            </a:r>
+            <a:r>
+              <a:rPr lang="nl-NL" dirty="0" err="1"/>
+              <a:t>already</a:t>
             </a:r>
             <a:r>
               <a:rPr lang="nl-NL" dirty="0"/>
@@ -10869,43 +11171,8 @@
             </a:r>
             <a:r>
               <a:rPr lang="nl-NL" dirty="0" err="1"/>
-              <a:t>to</a:t>
-            </a:r>
-            <a:r>
-              <a:rPr lang="nl-NL" dirty="0"/>
-              <a:t> node16 or </a:t>
-            </a:r>
-            <a:r>
-              <a:rPr lang="nl-NL" dirty="0" err="1"/>
-              <a:t>NodeNext</a:t>
-            </a:r>
-            <a:endParaRPr lang="nl-NL" dirty="0"/>
-          </a:p>
-          <a:p>
-            <a:pPr lvl="1"/>
-            <a:r>
-              <a:rPr lang="nl-NL" dirty="0"/>
-              <a:t>Has </a:t>
-            </a:r>
-            <a:r>
-              <a:rPr lang="nl-NL" dirty="0" err="1"/>
-              <a:t>the</a:t>
-            </a:r>
-            <a:r>
-              <a:rPr lang="nl-NL" dirty="0"/>
-              <a:t> </a:t>
-            </a:r>
-            <a:r>
-              <a:rPr lang="nl-NL" dirty="0" err="1"/>
-              <a:t>biggest</a:t>
-            </a:r>
-            <a:r>
-              <a:rPr lang="nl-NL" dirty="0"/>
-              <a:t> impact!</a:t>
-            </a:r>
-          </a:p>
-          <a:p>
-            <a:pPr lvl="1"/>
+              <a:t>works</a:t>
+            </a:r>
             <a:endParaRPr lang="nl-NL" dirty="0"/>
           </a:p>
           <a:p>
@@ -10948,10 +11215,10 @@
       </p:sp>
       <p:pic>
         <p:nvPicPr>
-          <p:cNvPr id="10" name="Picture 9">
+          <p:cNvPr id="6" name="Picture 5">
             <a:extLst>
               <a:ext uri="{FF2B5EF4-FFF2-40B4-BE49-F238E27FC236}">
-                <a16:creationId xmlns:a16="http://schemas.microsoft.com/office/drawing/2014/main" id="{BEA4B18B-6534-D49F-59E5-86EC649A8572}"/>
+                <a16:creationId xmlns:a16="http://schemas.microsoft.com/office/drawing/2014/main" id="{EBF741BF-7A3F-5DE8-2AEE-7330BB1B5923}"/>
               </a:ext>
             </a:extLst>
           </p:cNvPr>
@@ -10968,8 +11235,8 @@
         </p:blipFill>
         <p:spPr>
           <a:xfrm>
-            <a:off x="351691" y="1299010"/>
-            <a:ext cx="8736037" cy="812819"/>
+            <a:off x="1001124" y="1799245"/>
+            <a:ext cx="5182323" cy="285790"/>
           </a:xfrm>
           <a:prstGeom prst="rect">
             <a:avLst/>
@@ -10979,7 +11246,7 @@
     </p:spTree>
     <p:extLst>
       <p:ext uri="{BB962C8B-B14F-4D97-AF65-F5344CB8AC3E}">
-        <p14:creationId xmlns:p14="http://schemas.microsoft.com/office/powerpoint/2010/main" val="1959876293"/>
+        <p14:creationId xmlns:p14="http://schemas.microsoft.com/office/powerpoint/2010/main" val="1452179558"/>
       </p:ext>
     </p:extLst>
   </p:cSld>
@@ -11072,70 +11339,67 @@
           <a:p>
             <a:pPr lvl="1"/>
             <a:r>
+              <a:rPr lang="nl-NL" dirty="0" err="1"/>
+              <a:t>Build</a:t>
+            </a:r>
+            <a:r>
               <a:rPr lang="nl-NL" dirty="0"/>
-              <a:t>Delete </a:t>
-            </a:r>
-            <a:r>
-              <a:rPr lang="nl-NL" i="1" dirty="0"/>
-              <a:t>jest.config.js </a:t>
-            </a:r>
+              <a:t> Error (corner case?)</a:t>
+            </a:r>
+          </a:p>
+          <a:p>
+            <a:pPr lvl="1"/>
+            <a:endParaRPr lang="nl-NL" dirty="0"/>
+          </a:p>
+          <a:p>
+            <a:pPr lvl="1"/>
+            <a:endParaRPr lang="nl-NL" dirty="0"/>
+          </a:p>
+          <a:p>
+            <a:pPr lvl="1"/>
+            <a:endParaRPr lang="nl-NL" dirty="0"/>
+          </a:p>
+          <a:p>
+            <a:pPr lvl="1"/>
+            <a:endParaRPr lang="nl-NL" dirty="0"/>
+          </a:p>
+          <a:p>
+            <a:pPr lvl="1"/>
             <a:r>
               <a:rPr lang="nl-NL" dirty="0"/>
-              <a:t>(</a:t>
+              <a:t>Update </a:t>
             </a:r>
             <a:r>
               <a:rPr lang="nl-NL" dirty="0" err="1"/>
-              <a:t>if</a:t>
-            </a:r>
-            <a:r>
-              <a:rPr lang="nl-NL" dirty="0"/>
-              <a:t> present)</a:t>
-            </a:r>
-          </a:p>
-          <a:p>
-            <a:pPr lvl="1"/>
-            <a:r>
-              <a:rPr lang="nl-NL" dirty="0" err="1"/>
-              <a:t>Add</a:t>
+              <a:t>moduleResolution</a:t>
             </a:r>
             <a:r>
               <a:rPr lang="nl-NL" dirty="0"/>
               <a:t> </a:t>
             </a:r>
             <a:r>
-              <a:rPr lang="nl-NL" i="1" dirty="0" err="1"/>
-              <a:t>vitest.config.ts</a:t>
+              <a:rPr lang="nl-NL" dirty="0" err="1"/>
+              <a:t>to</a:t>
             </a:r>
             <a:r>
               <a:rPr lang="nl-NL" dirty="0"/>
-              <a:t> en </a:t>
-            </a:r>
-            <a:r>
-              <a:rPr lang="nl-NL" i="1" dirty="0" err="1"/>
-              <a:t>vitest.setup.ts</a:t>
-            </a:r>
-            <a:r>
-              <a:rPr lang="nl-NL" i="1" dirty="0"/>
-              <a:t> </a:t>
-            </a:r>
+              <a:t> node16 or </a:t>
+            </a:r>
+            <a:r>
+              <a:rPr lang="nl-NL" dirty="0" err="1"/>
+              <a:t>NodeNext</a:t>
+            </a:r>
+            <a:endParaRPr lang="nl-NL" dirty="0"/>
+          </a:p>
+          <a:p>
+            <a:pPr lvl="1"/>
             <a:r>
               <a:rPr lang="nl-NL" dirty="0"/>
-              <a:t>(AMIS TS Standard)</a:t>
-            </a:r>
-          </a:p>
-          <a:p>
-            <a:pPr lvl="1"/>
+              <a:t>Has </a:t>
+            </a:r>
             <a:r>
               <a:rPr lang="nl-NL" dirty="0" err="1"/>
-              <a:t>Add</a:t>
-            </a:r>
-            <a:r>
-              <a:rPr lang="nl-NL" dirty="0"/>
-              <a:t> explicit </a:t>
-            </a:r>
-            <a:r>
-              <a:rPr lang="nl-NL" dirty="0" err="1"/>
-              <a:t>imports</a:t>
+              <a:t>the</a:t>
             </a:r>
             <a:r>
               <a:rPr lang="nl-NL" dirty="0"/>
@@ -11143,47 +11407,15 @@
             </a:r>
             <a:r>
               <a:rPr lang="nl-NL" dirty="0" err="1"/>
-              <a:t>to</a:t>
+              <a:t>biggest</a:t>
             </a:r>
             <a:r>
               <a:rPr lang="nl-NL" dirty="0"/>
-              <a:t> test file</a:t>
+              <a:t> impact!</a:t>
             </a:r>
           </a:p>
           <a:p>
             <a:pPr lvl="1"/>
-            <a:endParaRPr lang="nl-NL" dirty="0"/>
-          </a:p>
-          <a:p>
-            <a:pPr lvl="1"/>
-            <a:endParaRPr lang="nl-NL" dirty="0"/>
-          </a:p>
-          <a:p>
-            <a:pPr lvl="1"/>
-            <a:r>
-              <a:rPr lang="nl-NL" dirty="0"/>
-              <a:t>First (</a:t>
-            </a:r>
-            <a:r>
-              <a:rPr lang="nl-NL" dirty="0" err="1"/>
-              <a:t>simple</a:t>
-            </a:r>
-            <a:r>
-              <a:rPr lang="nl-NL" dirty="0"/>
-              <a:t>) test </a:t>
-            </a:r>
-            <a:r>
-              <a:rPr lang="nl-NL" dirty="0" err="1"/>
-              <a:t>already</a:t>
-            </a:r>
-            <a:r>
-              <a:rPr lang="nl-NL" dirty="0"/>
-              <a:t> </a:t>
-            </a:r>
-            <a:r>
-              <a:rPr lang="nl-NL" dirty="0" err="1"/>
-              <a:t>works</a:t>
-            </a:r>
             <a:endParaRPr lang="nl-NL" dirty="0"/>
           </a:p>
           <a:p>
@@ -11226,10 +11458,10 @@
       </p:sp>
       <p:pic>
         <p:nvPicPr>
-          <p:cNvPr id="6" name="Picture 5">
+          <p:cNvPr id="10" name="Picture 9">
             <a:extLst>
               <a:ext uri="{FF2B5EF4-FFF2-40B4-BE49-F238E27FC236}">
-                <a16:creationId xmlns:a16="http://schemas.microsoft.com/office/drawing/2014/main" id="{EBF741BF-7A3F-5DE8-2AEE-7330BB1B5923}"/>
+                <a16:creationId xmlns:a16="http://schemas.microsoft.com/office/drawing/2014/main" id="{BEA4B18B-6534-D49F-59E5-86EC649A8572}"/>
               </a:ext>
             </a:extLst>
           </p:cNvPr>
@@ -11246,8 +11478,8 @@
         </p:blipFill>
         <p:spPr>
           <a:xfrm>
-            <a:off x="1001124" y="1799245"/>
-            <a:ext cx="5182323" cy="285790"/>
+            <a:off x="351691" y="1299010"/>
+            <a:ext cx="8736037" cy="812819"/>
           </a:xfrm>
           <a:prstGeom prst="rect">
             <a:avLst/>
@@ -11257,7 +11489,7 @@
     </p:spTree>
     <p:extLst>
       <p:ext uri="{BB962C8B-B14F-4D97-AF65-F5344CB8AC3E}">
-        <p14:creationId xmlns:p14="http://schemas.microsoft.com/office/powerpoint/2010/main" val="1452179558"/>
+        <p14:creationId xmlns:p14="http://schemas.microsoft.com/office/powerpoint/2010/main" val="1959876293"/>
       </p:ext>
     </p:extLst>
   </p:cSld>
@@ -11659,36 +11891,6 @@
           </a:p>
         </p:txBody>
       </p:sp>
-      <p:pic>
-        <p:nvPicPr>
-          <p:cNvPr id="9" name="Picture 8">
-            <a:extLst>
-              <a:ext uri="{FF2B5EF4-FFF2-40B4-BE49-F238E27FC236}">
-                <a16:creationId xmlns:a16="http://schemas.microsoft.com/office/drawing/2014/main" id="{079F1D42-F14A-B228-A592-C39044032E4E}"/>
-              </a:ext>
-            </a:extLst>
-          </p:cNvPr>
-          <p:cNvPicPr>
-            <a:picLocks noChangeAspect="1"/>
-          </p:cNvPicPr>
-          <p:nvPr/>
-        </p:nvPicPr>
-        <p:blipFill>
-          <a:blip r:embed="rId2"/>
-          <a:stretch>
-            <a:fillRect/>
-          </a:stretch>
-        </p:blipFill>
-        <p:spPr>
-          <a:xfrm>
-            <a:off x="4085266" y="1699543"/>
-            <a:ext cx="4981087" cy="2396914"/>
-          </a:xfrm>
-          <a:prstGeom prst="rect">
-            <a:avLst/>
-          </a:prstGeom>
-        </p:spPr>
-      </p:pic>
       <p:sp>
         <p:nvSpPr>
           <p:cNvPr id="10" name="TextBox 9">
@@ -11727,10 +11929,40 @@
       </p:sp>
       <p:pic>
         <p:nvPicPr>
-          <p:cNvPr id="11" name="Picture 10">
+          <p:cNvPr id="6" name="Picture 5">
             <a:extLst>
               <a:ext uri="{FF2B5EF4-FFF2-40B4-BE49-F238E27FC236}">
-                <a16:creationId xmlns:a16="http://schemas.microsoft.com/office/drawing/2014/main" id="{4EC407EA-3B0E-62EB-57EB-9B4DDF513E76}"/>
+                <a16:creationId xmlns:a16="http://schemas.microsoft.com/office/drawing/2014/main" id="{BF64F095-5DC1-22A0-6D24-DAB1421CE08F}"/>
+              </a:ext>
+            </a:extLst>
+          </p:cNvPr>
+          <p:cNvPicPr>
+            <a:picLocks noChangeAspect="1"/>
+          </p:cNvPicPr>
+          <p:nvPr/>
+        </p:nvPicPr>
+        <p:blipFill>
+          <a:blip r:embed="rId2"/>
+          <a:stretch>
+            <a:fillRect/>
+          </a:stretch>
+        </p:blipFill>
+        <p:spPr>
+          <a:xfrm>
+            <a:off x="187959" y="1717977"/>
+            <a:ext cx="3726423" cy="2216046"/>
+          </a:xfrm>
+          <a:prstGeom prst="rect">
+            <a:avLst/>
+          </a:prstGeom>
+        </p:spPr>
+      </p:pic>
+      <p:pic>
+        <p:nvPicPr>
+          <p:cNvPr id="8" name="Picture 7">
+            <a:extLst>
+              <a:ext uri="{FF2B5EF4-FFF2-40B4-BE49-F238E27FC236}">
+                <a16:creationId xmlns:a16="http://schemas.microsoft.com/office/drawing/2014/main" id="{6DAFF4C4-41F2-434D-DDA8-09610BCD1AF0}"/>
               </a:ext>
             </a:extLst>
           </p:cNvPr>
@@ -11747,8 +11979,8 @@
         </p:blipFill>
         <p:spPr>
           <a:xfrm>
-            <a:off x="77647" y="1699543"/>
-            <a:ext cx="3762836" cy="2187848"/>
+            <a:off x="3914382" y="1717977"/>
+            <a:ext cx="4609328" cy="2304664"/>
           </a:xfrm>
           <a:prstGeom prst="rect">
             <a:avLst/>
@@ -12367,14 +12599,6 @@
             </a:r>
             <a:r>
               <a:rPr lang="nl-NL" dirty="0"/>
-              <a:t> </a:t>
-            </a:r>
-            <a:r>
-              <a:rPr lang="nl-NL" dirty="0" err="1"/>
-              <a:t>the</a:t>
-            </a:r>
-            <a:r>
-              <a:rPr lang="nl-NL" dirty="0"/>
               <a:t> test </a:t>
             </a:r>
             <a:r>
@@ -12591,16 +12815,10 @@
                   </a:schemeClr>
                 </a:solidFill>
               </a:rPr>
-              <a:t>Jeroen Rijnboutt</a:t>
-            </a:r>
-          </a:p>
-          <a:p>
-            <a:pPr marL="571500" indent="-571500">
-              <a:buFont typeface="Arial" panose="020B0604020202020204" pitchFamily="34" charset="0"/>
-              <a:buChar char="•"/>
-            </a:pPr>
-            <a:r>
-              <a:rPr lang="en-US" sz="2400" dirty="0">
+              <a:t>Joost </a:t>
+            </a:r>
+            <a:r>
+              <a:rPr lang="en-US" sz="2400" dirty="0" err="1">
                 <a:solidFill>
                   <a:schemeClr val="tx1">
                     <a:lumMod val="75000"/>
@@ -12608,18 +12826,7 @@
                   </a:schemeClr>
                 </a:solidFill>
               </a:rPr>
-              <a:t>Andras </a:t>
-            </a:r>
-            <a:r>
-              <a:rPr lang="en-US" sz="2400" dirty="0" err="1">
-                <a:solidFill>
-                  <a:schemeClr val="tx1">
-                    <a:lumMod val="75000"/>
-                    <a:lumOff val="25000"/>
-                  </a:schemeClr>
-                </a:solidFill>
-              </a:rPr>
-              <a:t>Hetényi</a:t>
+              <a:t>Lambregts</a:t>
             </a:r>
             <a:endParaRPr lang="en-US" sz="2400" dirty="0">
               <a:solidFill>
@@ -12644,8 +12851,39 @@
                   </a:schemeClr>
                 </a:solidFill>
               </a:rPr>
-              <a:t>Joost Lambregts</a:t>
-            </a:r>
+              <a:t>Andras Hetényi</a:t>
+            </a:r>
+          </a:p>
+          <a:p>
+            <a:pPr marL="571500" indent="-571500">
+              <a:buFont typeface="Arial" panose="020B0604020202020204" pitchFamily="34" charset="0"/>
+              <a:buChar char="•"/>
+            </a:pPr>
+            <a:r>
+              <a:rPr lang="en-US" sz="2400" dirty="0">
+                <a:solidFill>
+                  <a:schemeClr val="tx1">
+                    <a:lumMod val="75000"/>
+                    <a:lumOff val="25000"/>
+                  </a:schemeClr>
+                </a:solidFill>
+              </a:rPr>
+              <a:t>Jeroen Rijnboutt</a:t>
+            </a:r>
+          </a:p>
+          <a:p>
+            <a:pPr marL="571500" indent="-571500">
+              <a:buFont typeface="Arial" panose="020B0604020202020204" pitchFamily="34" charset="0"/>
+              <a:buChar char="•"/>
+            </a:pPr>
+            <a:endParaRPr lang="en-US" sz="2400" dirty="0">
+              <a:solidFill>
+                <a:schemeClr val="tx1">
+                  <a:lumMod val="75000"/>
+                  <a:lumOff val="25000"/>
+                </a:schemeClr>
+              </a:solidFill>
+            </a:endParaRPr>
           </a:p>
           <a:p>
             <a:pPr marL="571500" indent="-571500">
@@ -12750,10 +12988,6 @@
           </a:bodyPr>
           <a:lstStyle/>
           <a:p>
-            <a:r>
-              <a:rPr lang="en-US" dirty="0"/>
-              <a:t> </a:t>
-            </a:r>
             <a:r>
               <a:rPr lang="en-US" b="0" i="0" dirty="0">
                 <a:solidFill>
@@ -18180,7 +18414,7 @@
             <a:pPr lvl="1"/>
             <a:r>
               <a:rPr lang="en-US" sz="1400" dirty="0"/>
-              <a:t>Istanbul is slightly slower but more precise, especially  with conditional statements</a:t>
+              <a:t>Istanbul is slightly slower but more precise, especially with conditional statements</a:t>
             </a:r>
           </a:p>
           <a:p>
@@ -33590,7 +33824,7 @@
           <a:p>
             <a:r>
               <a:rPr lang="en-US" dirty="0"/>
-              <a:t>Sometimes the functions we want to mock are located in an object. We can use </a:t>
+              <a:t>Sometimes the functions we want to mock are in an object. We can use </a:t>
             </a:r>
             <a:r>
               <a:rPr lang="en-US" dirty="0" err="1"/>
@@ -33598,15 +33832,7 @@
             </a:r>
             <a:r>
               <a:rPr lang="en-US" dirty="0"/>
-              <a:t>-mock-extended to easily create mock objects from types, </a:t>
-            </a:r>
-            <a:r>
-              <a:rPr lang="en-US" dirty="0" err="1"/>
-              <a:t>classes,or</a:t>
-            </a:r>
-            <a:r>
-              <a:rPr lang="en-US" dirty="0"/>
-              <a:t> interfaces.</a:t>
+              <a:t>-mock-extended to easily create mock objects from types, classes or interfaces.</a:t>
             </a:r>
           </a:p>
           <a:p>
@@ -34678,27 +34904,7 @@
                 <a:effectLst/>
                 <a:latin typeface="Inter"/>
               </a:rPr>
-              <a:t>How </a:t>
-            </a:r>
-            <a:r>
-              <a:rPr lang="en-US" b="0" i="0" dirty="0" err="1">
-                <a:solidFill>
-                  <a:srgbClr val="3C3C43"/>
-                </a:solidFill>
-                <a:effectLst/>
-                <a:latin typeface="Inter"/>
-              </a:rPr>
-              <a:t>dow</a:t>
-            </a:r>
-            <a:r>
-              <a:rPr lang="en-US" b="0" i="0" dirty="0">
-                <a:solidFill>
-                  <a:srgbClr val="3C3C43"/>
-                </a:solidFill>
-                <a:effectLst/>
-                <a:latin typeface="Inter"/>
-              </a:rPr>
-              <a:t> we inject a mock function into an imported module?</a:t>
+              <a:t>How do we inject a mock function into an imported module?</a:t>
             </a:r>
           </a:p>
         </p:txBody>
@@ -35299,7 +35505,7 @@
         <p:spPr>
           <a:xfrm>
             <a:off x="670095" y="2804923"/>
-            <a:ext cx="4572000" cy="1546577"/>
+            <a:ext cx="4844440" cy="1338828"/>
           </a:xfrm>
           <a:prstGeom prst="rect">
             <a:avLst/>
@@ -36553,7 +36759,7 @@
         <p:spPr>
           <a:xfrm>
             <a:off x="551814" y="3284097"/>
-            <a:ext cx="4572000" cy="1131079"/>
+            <a:ext cx="5300346" cy="923330"/>
           </a:xfrm>
           <a:prstGeom prst="rect">
             <a:avLst/>
@@ -41229,21 +41435,6 @@
 </file>
 
 <file path=customXml/item1.xml><?xml version="1.0" encoding="utf-8"?>
-<?mso-contentType ?>
-<FormTemplates xmlns="http://schemas.microsoft.com/sharepoint/v3/contenttype/forms">
-  <Display>DocumentLibraryForm</Display>
-  <Edit>DocumentLibraryForm</Edit>
-  <New>DocumentLibraryForm</New>
-</FormTemplates>
-</file>
-
-<file path=customXml/item2.xml><?xml version="1.0" encoding="utf-8"?>
-<p:properties xmlns:p="http://schemas.microsoft.com/office/2006/metadata/properties" xmlns:xsi="http://www.w3.org/2001/XMLSchema-instance" xmlns:pc="http://schemas.microsoft.com/office/infopath/2007/PartnerControls">
-  <documentManagement/>
-</p:properties>
-</file>
-
-<file path=customXml/item3.xml><?xml version="1.0" encoding="utf-8"?>
 <ct:contentTypeSchema xmlns:ct="http://schemas.microsoft.com/office/2006/metadata/contentType" xmlns:ma="http://schemas.microsoft.com/office/2006/metadata/properties/metaAttributes" ct:_="" ma:_="" ma:contentTypeName="Document" ma:contentTypeID="0x010100E60B9E64A7B90B499F767EB2F0BD9B16" ma:contentTypeVersion="6" ma:contentTypeDescription="Een nieuw document maken." ma:contentTypeScope="" ma:versionID="b06164b3fd5da11ca9f7bb1b82024672">
   <xsd:schema xmlns:xsd="http://www.w3.org/2001/XMLSchema" xmlns:xs="http://www.w3.org/2001/XMLSchema" xmlns:p="http://schemas.microsoft.com/office/2006/metadata/properties" xmlns:ns2="bd3a200e-a112-4432-b134-79c9e3991b87" xmlns:ns3="a74c57c6-afd1-46a5-a503-29300b13d321" targetNamespace="http://schemas.microsoft.com/office/2006/metadata/properties" ma:root="true" ma:fieldsID="12483fe1a591bf0ffa72e05baf87ef3d" ns2:_="" ns3:_="">
     <xsd:import namespace="bd3a200e-a112-4432-b134-79c9e3991b87"/>
@@ -41420,24 +41611,22 @@
 </ct:contentTypeSchema>
 </file>
 
-<file path=customXml/itemProps1.xml><?xml version="1.0" encoding="utf-8"?>
-<ds:datastoreItem xmlns:ds="http://schemas.openxmlformats.org/officeDocument/2006/customXml" ds:itemID="{15DF2822-16E4-4479-B239-41A079CBB65B}">
-  <ds:schemaRefs>
-    <ds:schemaRef ds:uri="http://schemas.microsoft.com/sharepoint/v3/contenttype/forms"/>
-  </ds:schemaRefs>
-</ds:datastoreItem>
+<file path=customXml/item2.xml><?xml version="1.0" encoding="utf-8"?>
+<?mso-contentType ?>
+<FormTemplates xmlns="http://schemas.microsoft.com/sharepoint/v3/contenttype/forms">
+  <Display>DocumentLibraryForm</Display>
+  <Edit>DocumentLibraryForm</Edit>
+  <New>DocumentLibraryForm</New>
+</FormTemplates>
 </file>
 
-<file path=customXml/itemProps2.xml><?xml version="1.0" encoding="utf-8"?>
-<ds:datastoreItem xmlns:ds="http://schemas.openxmlformats.org/officeDocument/2006/customXml" ds:itemID="{63653586-D9AD-4A7C-AE25-8F164514A81A}">
-  <ds:schemaRefs>
-    <ds:schemaRef ds:uri="http://schemas.microsoft.com/office/2006/metadata/properties"/>
-    <ds:schemaRef ds:uri="http://schemas.microsoft.com/office/infopath/2007/PartnerControls"/>
-  </ds:schemaRefs>
-</ds:datastoreItem>
+<file path=customXml/item3.xml><?xml version="1.0" encoding="utf-8"?>
+<p:properties xmlns:p="http://schemas.microsoft.com/office/2006/metadata/properties" xmlns:xsi="http://www.w3.org/2001/XMLSchema-instance" xmlns:pc="http://schemas.microsoft.com/office/infopath/2007/PartnerControls">
+  <documentManagement/>
+</p:properties>
 </file>
 
-<file path=customXml/itemProps3.xml><?xml version="1.0" encoding="utf-8"?>
+<file path=customXml/itemProps1.xml><?xml version="1.0" encoding="utf-8"?>
 <ds:datastoreItem xmlns:ds="http://schemas.openxmlformats.org/officeDocument/2006/customXml" ds:itemID="{3820B2B8-E73A-4CEA-B66F-D4C256B09F5E}">
   <ds:schemaRefs>
     <ds:schemaRef ds:uri="http://schemas.microsoft.com/office/2006/metadata/contentType"/>
@@ -41454,4 +41643,21 @@
     <ds:schemaRef ds:uri="http://schemas.microsoft.com/internal/obd"/>
   </ds:schemaRefs>
 </ds:datastoreItem>
+</file>
+
+<file path=customXml/itemProps2.xml><?xml version="1.0" encoding="utf-8"?>
+<ds:datastoreItem xmlns:ds="http://schemas.openxmlformats.org/officeDocument/2006/customXml" ds:itemID="{15DF2822-16E4-4479-B239-41A079CBB65B}">
+  <ds:schemaRefs>
+    <ds:schemaRef ds:uri="http://schemas.microsoft.com/sharepoint/v3/contenttype/forms"/>
+  </ds:schemaRefs>
+</ds:datastoreItem>
+</file>
+
+<file path=customXml/itemProps3.xml><?xml version="1.0" encoding="utf-8"?>
+<ds:datastoreItem xmlns:ds="http://schemas.openxmlformats.org/officeDocument/2006/customXml" ds:itemID="{63653586-D9AD-4A7C-AE25-8F164514A81A}">
+  <ds:schemaRefs>
+    <ds:schemaRef ds:uri="http://schemas.microsoft.com/office/2006/metadata/properties"/>
+    <ds:schemaRef ds:uri="http://schemas.microsoft.com/office/infopath/2007/PartnerControls"/>
+  </ds:schemaRefs>
+</ds:datastoreItem>
 </file>
--- a/typescript_unit_testing_with_vitest.pptx
+++ b/typescript_unit_testing_with_vitest.pptx
@@ -23,9 +23,9 @@
     <p:sldId id="384" r:id="rId17"/>
     <p:sldId id="385" r:id="rId18"/>
     <p:sldId id="386" r:id="rId19"/>
-    <p:sldId id="383" r:id="rId20"/>
-    <p:sldId id="387" r:id="rId21"/>
-    <p:sldId id="388" r:id="rId22"/>
+    <p:sldId id="387" r:id="rId20"/>
+    <p:sldId id="388" r:id="rId21"/>
+    <p:sldId id="383" r:id="rId22"/>
     <p:sldId id="390" r:id="rId23"/>
     <p:sldId id="396" r:id="rId24"/>
     <p:sldId id="391" r:id="rId25"/>
@@ -10172,12 +10172,15 @@
             </a:r>
             <a:r>
               <a:rPr lang="nl-NL" dirty="0" err="1"/>
-              <a:t>migrating</a:t>
+              <a:t>migration</a:t>
             </a:r>
             <a:r>
               <a:rPr lang="nl-NL" dirty="0"/>
               <a:t> </a:t>
             </a:r>
+          </a:p>
+          <a:p>
+            <a:pPr lvl="1"/>
             <a:r>
               <a:rPr lang="nl-NL" dirty="0" err="1"/>
               <a:t>TypeScript</a:t>
@@ -10203,8 +10206,10 @@
               <a:t> </a:t>
             </a:r>
             <a:r>
-              <a:rPr lang="nl-NL" dirty="0" err="1"/>
-              <a:t>to</a:t>
+              <a:rPr lang="nl-NL" dirty="0">
+                <a:sym typeface="Wingdings" panose="05000000000000000000" pitchFamily="2" charset="2"/>
+              </a:rPr>
+              <a:t></a:t>
             </a:r>
             <a:r>
               <a:rPr lang="nl-NL" dirty="0"/>
@@ -11375,6 +11380,277 @@
   <p:clrMapOvr>
     <a:masterClrMapping/>
   </p:clrMapOvr>
+  <p:timing>
+    <p:tnLst>
+      <p:par>
+        <p:cTn id="1" dur="indefinite" restart="never" nodeType="tmRoot">
+          <p:childTnLst>
+            <p:seq concurrent="1" nextAc="seek">
+              <p:cTn id="2" dur="indefinite" nodeType="mainSeq">
+                <p:childTnLst>
+                  <p:par>
+                    <p:cTn id="3" fill="hold">
+                      <p:stCondLst>
+                        <p:cond delay="indefinite"/>
+                      </p:stCondLst>
+                      <p:childTnLst>
+                        <p:par>
+                          <p:cTn id="4" fill="hold">
+                            <p:stCondLst>
+                              <p:cond delay="0"/>
+                            </p:stCondLst>
+                            <p:childTnLst>
+                              <p:par>
+                                <p:cTn id="5" presetID="1" presetClass="entr" presetSubtype="0" fill="hold" nodeType="clickEffect">
+                                  <p:stCondLst>
+                                    <p:cond delay="0"/>
+                                  </p:stCondLst>
+                                  <p:childTnLst>
+                                    <p:set>
+                                      <p:cBhvr>
+                                        <p:cTn id="6" dur="1" fill="hold">
+                                          <p:stCondLst>
+                                            <p:cond delay="0"/>
+                                          </p:stCondLst>
+                                        </p:cTn>
+                                        <p:tgtEl>
+                                          <p:spTgt spid="3">
+                                            <p:txEl>
+                                              <p:pRg st="0" end="0"/>
+                                            </p:txEl>
+                                          </p:spTgt>
+                                        </p:tgtEl>
+                                        <p:attrNameLst>
+                                          <p:attrName>style.visibility</p:attrName>
+                                        </p:attrNameLst>
+                                      </p:cBhvr>
+                                      <p:to>
+                                        <p:strVal val="visible"/>
+                                      </p:to>
+                                    </p:set>
+                                  </p:childTnLst>
+                                </p:cTn>
+                              </p:par>
+                            </p:childTnLst>
+                          </p:cTn>
+                        </p:par>
+                      </p:childTnLst>
+                    </p:cTn>
+                  </p:par>
+                  <p:par>
+                    <p:cTn id="7" fill="hold">
+                      <p:stCondLst>
+                        <p:cond delay="indefinite"/>
+                      </p:stCondLst>
+                      <p:childTnLst>
+                        <p:par>
+                          <p:cTn id="8" fill="hold">
+                            <p:stCondLst>
+                              <p:cond delay="0"/>
+                            </p:stCondLst>
+                            <p:childTnLst>
+                              <p:par>
+                                <p:cTn id="9" presetID="1" presetClass="entr" presetSubtype="0" fill="hold" nodeType="clickEffect">
+                                  <p:stCondLst>
+                                    <p:cond delay="0"/>
+                                  </p:stCondLst>
+                                  <p:childTnLst>
+                                    <p:set>
+                                      <p:cBhvr>
+                                        <p:cTn id="10" dur="1" fill="hold">
+                                          <p:stCondLst>
+                                            <p:cond delay="0"/>
+                                          </p:stCondLst>
+                                        </p:cTn>
+                                        <p:tgtEl>
+                                          <p:spTgt spid="3">
+                                            <p:txEl>
+                                              <p:pRg st="1" end="1"/>
+                                            </p:txEl>
+                                          </p:spTgt>
+                                        </p:tgtEl>
+                                        <p:attrNameLst>
+                                          <p:attrName>style.visibility</p:attrName>
+                                        </p:attrNameLst>
+                                      </p:cBhvr>
+                                      <p:to>
+                                        <p:strVal val="visible"/>
+                                      </p:to>
+                                    </p:set>
+                                  </p:childTnLst>
+                                </p:cTn>
+                              </p:par>
+                            </p:childTnLst>
+                          </p:cTn>
+                        </p:par>
+                      </p:childTnLst>
+                    </p:cTn>
+                  </p:par>
+                  <p:par>
+                    <p:cTn id="11" fill="hold">
+                      <p:stCondLst>
+                        <p:cond delay="indefinite"/>
+                      </p:stCondLst>
+                      <p:childTnLst>
+                        <p:par>
+                          <p:cTn id="12" fill="hold">
+                            <p:stCondLst>
+                              <p:cond delay="0"/>
+                            </p:stCondLst>
+                            <p:childTnLst>
+                              <p:par>
+                                <p:cTn id="13" presetID="1" presetClass="entr" presetSubtype="0" fill="hold" nodeType="clickEffect">
+                                  <p:stCondLst>
+                                    <p:cond delay="0"/>
+                                  </p:stCondLst>
+                                  <p:childTnLst>
+                                    <p:set>
+                                      <p:cBhvr>
+                                        <p:cTn id="14" dur="1" fill="hold">
+                                          <p:stCondLst>
+                                            <p:cond delay="0"/>
+                                          </p:stCondLst>
+                                        </p:cTn>
+                                        <p:tgtEl>
+                                          <p:spTgt spid="3">
+                                            <p:txEl>
+                                              <p:pRg st="2" end="2"/>
+                                            </p:txEl>
+                                          </p:spTgt>
+                                        </p:tgtEl>
+                                        <p:attrNameLst>
+                                          <p:attrName>style.visibility</p:attrName>
+                                        </p:attrNameLst>
+                                      </p:cBhvr>
+                                      <p:to>
+                                        <p:strVal val="visible"/>
+                                      </p:to>
+                                    </p:set>
+                                  </p:childTnLst>
+                                </p:cTn>
+                              </p:par>
+                            </p:childTnLst>
+                          </p:cTn>
+                        </p:par>
+                      </p:childTnLst>
+                    </p:cTn>
+                  </p:par>
+                  <p:par>
+                    <p:cTn id="15" fill="hold">
+                      <p:stCondLst>
+                        <p:cond delay="indefinite"/>
+                      </p:stCondLst>
+                      <p:childTnLst>
+                        <p:par>
+                          <p:cTn id="16" fill="hold">
+                            <p:stCondLst>
+                              <p:cond delay="0"/>
+                            </p:stCondLst>
+                            <p:childTnLst>
+                              <p:par>
+                                <p:cTn id="17" presetID="1" presetClass="entr" presetSubtype="0" fill="hold" nodeType="clickEffect">
+                                  <p:stCondLst>
+                                    <p:cond delay="0"/>
+                                  </p:stCondLst>
+                                  <p:childTnLst>
+                                    <p:set>
+                                      <p:cBhvr>
+                                        <p:cTn id="18" dur="1" fill="hold">
+                                          <p:stCondLst>
+                                            <p:cond delay="0"/>
+                                          </p:stCondLst>
+                                        </p:cTn>
+                                        <p:tgtEl>
+                                          <p:spTgt spid="6"/>
+                                        </p:tgtEl>
+                                        <p:attrNameLst>
+                                          <p:attrName>style.visibility</p:attrName>
+                                        </p:attrNameLst>
+                                      </p:cBhvr>
+                                      <p:to>
+                                        <p:strVal val="visible"/>
+                                      </p:to>
+                                    </p:set>
+                                  </p:childTnLst>
+                                </p:cTn>
+                              </p:par>
+                            </p:childTnLst>
+                          </p:cTn>
+                        </p:par>
+                      </p:childTnLst>
+                    </p:cTn>
+                  </p:par>
+                  <p:par>
+                    <p:cTn id="19" fill="hold">
+                      <p:stCondLst>
+                        <p:cond delay="indefinite"/>
+                      </p:stCondLst>
+                      <p:childTnLst>
+                        <p:par>
+                          <p:cTn id="20" fill="hold">
+                            <p:stCondLst>
+                              <p:cond delay="0"/>
+                            </p:stCondLst>
+                            <p:childTnLst>
+                              <p:par>
+                                <p:cTn id="21" presetID="1" presetClass="entr" presetSubtype="0" fill="hold" nodeType="clickEffect">
+                                  <p:stCondLst>
+                                    <p:cond delay="0"/>
+                                  </p:stCondLst>
+                                  <p:childTnLst>
+                                    <p:set>
+                                      <p:cBhvr>
+                                        <p:cTn id="22" dur="1" fill="hold">
+                                          <p:stCondLst>
+                                            <p:cond delay="0"/>
+                                          </p:stCondLst>
+                                        </p:cTn>
+                                        <p:tgtEl>
+                                          <p:spTgt spid="3">
+                                            <p:txEl>
+                                              <p:pRg st="5" end="5"/>
+                                            </p:txEl>
+                                          </p:spTgt>
+                                        </p:tgtEl>
+                                        <p:attrNameLst>
+                                          <p:attrName>style.visibility</p:attrName>
+                                        </p:attrNameLst>
+                                      </p:cBhvr>
+                                      <p:to>
+                                        <p:strVal val="visible"/>
+                                      </p:to>
+                                    </p:set>
+                                  </p:childTnLst>
+                                </p:cTn>
+                              </p:par>
+                            </p:childTnLst>
+                          </p:cTn>
+                        </p:par>
+                      </p:childTnLst>
+                    </p:cTn>
+                  </p:par>
+                </p:childTnLst>
+              </p:cTn>
+              <p:prevCondLst>
+                <p:cond evt="onPrev" delay="0">
+                  <p:tgtEl>
+                    <p:sldTgt/>
+                  </p:tgtEl>
+                </p:cond>
+              </p:prevCondLst>
+              <p:nextCondLst>
+                <p:cond evt="onNext" delay="0">
+                  <p:tgtEl>
+                    <p:sldTgt/>
+                  </p:tgtEl>
+                </p:cond>
+              </p:nextCondLst>
+            </p:seq>
+          </p:childTnLst>
+        </p:cTn>
+      </p:par>
+    </p:tnLst>
+  </p:timing>
 </p:sld>
 </file>
 
@@ -11462,86 +11738,138 @@
             <a:pPr lvl="1"/>
             <a:r>
               <a:rPr lang="nl-NL" dirty="0" err="1"/>
-              <a:t>Build</a:t>
-            </a:r>
-            <a:r>
-              <a:rPr lang="nl-NL" dirty="0"/>
-              <a:t> Error (corner case?)</a:t>
-            </a:r>
-          </a:p>
-          <a:p>
-            <a:pPr lvl="1"/>
-            <a:endParaRPr lang="nl-NL" dirty="0"/>
-          </a:p>
-          <a:p>
-            <a:pPr lvl="1"/>
-            <a:endParaRPr lang="nl-NL" dirty="0"/>
-          </a:p>
-          <a:p>
-            <a:pPr lvl="1"/>
-            <a:endParaRPr lang="nl-NL" dirty="0"/>
-          </a:p>
-          <a:p>
-            <a:pPr lvl="1"/>
-            <a:endParaRPr lang="nl-NL" dirty="0"/>
-          </a:p>
-          <a:p>
-            <a:pPr lvl="1"/>
-            <a:r>
-              <a:rPr lang="nl-NL" dirty="0"/>
-              <a:t>Update </a:t>
-            </a:r>
-            <a:r>
-              <a:rPr lang="nl-NL" dirty="0" err="1"/>
-              <a:t>moduleResolution</a:t>
+              <a:t>Replace</a:t>
             </a:r>
             <a:r>
               <a:rPr lang="nl-NL" dirty="0"/>
               <a:t> </a:t>
             </a:r>
             <a:r>
+              <a:rPr lang="nl-NL" i="1" dirty="0" err="1"/>
+              <a:t>jest.mock</a:t>
+            </a:r>
+            <a:r>
+              <a:rPr lang="nl-NL" i="1" dirty="0"/>
+              <a:t> </a:t>
+            </a:r>
+            <a:r>
               <a:rPr lang="nl-NL" dirty="0" err="1"/>
-              <a:t>to</a:t>
-            </a:r>
-            <a:r>
-              <a:rPr lang="nl-NL" dirty="0"/>
-              <a:t> node16 or </a:t>
-            </a:r>
-            <a:r>
-              <a:rPr lang="nl-NL" dirty="0" err="1"/>
-              <a:t>NodeNext</a:t>
-            </a:r>
-            <a:endParaRPr lang="nl-NL" dirty="0"/>
-          </a:p>
-          <a:p>
-            <a:pPr lvl="1"/>
-            <a:r>
-              <a:rPr lang="nl-NL" dirty="0"/>
-              <a:t>Has </a:t>
-            </a:r>
-            <a:r>
-              <a:rPr lang="nl-NL" dirty="0" err="1"/>
-              <a:t>the</a:t>
+              <a:t>with</a:t>
             </a:r>
             <a:r>
               <a:rPr lang="nl-NL" dirty="0"/>
               <a:t> </a:t>
             </a:r>
             <a:r>
+              <a:rPr lang="nl-NL" i="1" dirty="0" err="1"/>
+              <a:t>vi.mock</a:t>
+            </a:r>
+            <a:endParaRPr lang="nl-NL" i="1" dirty="0"/>
+          </a:p>
+          <a:p>
+            <a:pPr lvl="1"/>
+            <a:r>
               <a:rPr lang="nl-NL" dirty="0" err="1"/>
-              <a:t>biggest</a:t>
+              <a:t>Replace</a:t>
             </a:r>
             <a:r>
               <a:rPr lang="nl-NL" dirty="0"/>
-              <a:t> impact!</a:t>
+              <a:t> </a:t>
+            </a:r>
+            <a:r>
+              <a:rPr lang="nl-NL" i="1" dirty="0" err="1"/>
+              <a:t>jest.fn</a:t>
+            </a:r>
+            <a:r>
+              <a:rPr lang="nl-NL" i="1" dirty="0"/>
+              <a:t>() </a:t>
+            </a:r>
+            <a:r>
+              <a:rPr lang="nl-NL" dirty="0" err="1"/>
+              <a:t>with</a:t>
+            </a:r>
+            <a:r>
+              <a:rPr lang="nl-NL" dirty="0"/>
+              <a:t> </a:t>
+            </a:r>
+            <a:r>
+              <a:rPr lang="nl-NL" i="1" dirty="0" err="1"/>
+              <a:t>vi.fn</a:t>
+            </a:r>
+            <a:r>
+              <a:rPr lang="nl-NL" i="1" dirty="0"/>
+              <a:t>()</a:t>
             </a:r>
           </a:p>
           <a:p>
             <a:pPr lvl="1"/>
-            <a:endParaRPr lang="nl-NL" dirty="0"/>
+            <a:r>
+              <a:rPr lang="nl-NL" dirty="0" err="1"/>
+              <a:t>Replace</a:t>
+            </a:r>
+            <a:r>
+              <a:rPr lang="nl-NL" dirty="0"/>
+              <a:t> </a:t>
+            </a:r>
+            <a:r>
+              <a:rPr lang="nl-NL" i="1" dirty="0" err="1"/>
+              <a:t>jest.clearMocks</a:t>
+            </a:r>
+            <a:r>
+              <a:rPr lang="nl-NL" i="1" dirty="0"/>
+              <a:t>() </a:t>
+            </a:r>
+            <a:r>
+              <a:rPr lang="nl-NL" dirty="0" err="1"/>
+              <a:t>with</a:t>
+            </a:r>
+            <a:r>
+              <a:rPr lang="nl-NL" dirty="0"/>
+              <a:t> </a:t>
+            </a:r>
+            <a:r>
+              <a:rPr lang="nl-NL" i="1" dirty="0" err="1"/>
+              <a:t>vi.clearMocks</a:t>
+            </a:r>
+            <a:r>
+              <a:rPr lang="nl-NL" i="1" dirty="0"/>
+              <a:t>()</a:t>
+            </a:r>
           </a:p>
           <a:p>
             <a:pPr lvl="1"/>
+            <a:r>
+              <a:rPr lang="nl-NL" dirty="0" err="1"/>
+              <a:t>Replace</a:t>
+            </a:r>
+            <a:r>
+              <a:rPr lang="nl-NL" dirty="0"/>
+              <a:t> </a:t>
+            </a:r>
+            <a:r>
+              <a:rPr lang="nl-NL" i="1" dirty="0" err="1"/>
+              <a:t>jest.spyOn</a:t>
+            </a:r>
+            <a:r>
+              <a:rPr lang="nl-NL" i="1" dirty="0"/>
+              <a:t>() </a:t>
+            </a:r>
+            <a:r>
+              <a:rPr lang="nl-NL" dirty="0" err="1"/>
+              <a:t>with</a:t>
+            </a:r>
+            <a:r>
+              <a:rPr lang="nl-NL" dirty="0"/>
+              <a:t> </a:t>
+            </a:r>
+            <a:r>
+              <a:rPr lang="nl-NL" i="1" dirty="0" err="1"/>
+              <a:t>vi.spyOn</a:t>
+            </a:r>
+            <a:r>
+              <a:rPr lang="nl-NL" i="1" dirty="0"/>
+              <a:t>()</a:t>
+            </a:r>
             <a:endParaRPr lang="nl-NL" dirty="0"/>
           </a:p>
           <a:p>
@@ -11578,301 +11906,6 @@
           </a:p>
         </p:txBody>
       </p:sp>
-      <p:pic>
-        <p:nvPicPr>
-          <p:cNvPr id="10" name="Picture 9">
-            <a:extLst>
-              <a:ext uri="{FF2B5EF4-FFF2-40B4-BE49-F238E27FC236}">
-                <a16:creationId xmlns:a16="http://schemas.microsoft.com/office/drawing/2014/main" id="{BEA4B18B-6534-D49F-59E5-86EC649A8572}"/>
-              </a:ext>
-            </a:extLst>
-          </p:cNvPr>
-          <p:cNvPicPr>
-            <a:picLocks noChangeAspect="1"/>
-          </p:cNvPicPr>
-          <p:nvPr/>
-        </p:nvPicPr>
-        <p:blipFill>
-          <a:blip r:embed="rId2"/>
-          <a:stretch>
-            <a:fillRect/>
-          </a:stretch>
-        </p:blipFill>
-        <p:spPr>
-          <a:xfrm>
-            <a:off x="351691" y="1299010"/>
-            <a:ext cx="8736037" cy="812819"/>
-          </a:xfrm>
-          <a:prstGeom prst="rect">
-            <a:avLst/>
-          </a:prstGeom>
-        </p:spPr>
-      </p:pic>
-    </p:spTree>
-    <p:extLst>
-      <p:ext uri="{BB962C8B-B14F-4D97-AF65-F5344CB8AC3E}">
-        <p14:creationId xmlns:p14="http://schemas.microsoft.com/office/powerpoint/2010/main" val="1959876293"/>
-      </p:ext>
-    </p:extLst>
-  </p:cSld>
-  <p:clrMapOvr>
-    <a:masterClrMapping/>
-  </p:clrMapOvr>
-</p:sld>
-</file>
-
-<file path=ppt/slides/slide17.xml><?xml version="1.0" encoding="utf-8"?>
-<p:sld xmlns:a="http://schemas.openxmlformats.org/drawingml/2006/main" xmlns:r="http://schemas.openxmlformats.org/officeDocument/2006/relationships" xmlns:p="http://schemas.openxmlformats.org/presentationml/2006/main">
-  <p:cSld>
-    <p:spTree>
-      <p:nvGrpSpPr>
-        <p:cNvPr id="1" name=""/>
-        <p:cNvGrpSpPr/>
-        <p:nvPr/>
-      </p:nvGrpSpPr>
-      <p:grpSpPr>
-        <a:xfrm>
-          <a:off x="0" y="0"/>
-          <a:ext cx="0" cy="0"/>
-          <a:chOff x="0" y="0"/>
-          <a:chExt cx="0" cy="0"/>
-        </a:xfrm>
-      </p:grpSpPr>
-      <p:sp>
-        <p:nvSpPr>
-          <p:cNvPr id="2" name="Title 1">
-            <a:extLst>
-              <a:ext uri="{FF2B5EF4-FFF2-40B4-BE49-F238E27FC236}">
-                <a16:creationId xmlns:a16="http://schemas.microsoft.com/office/drawing/2014/main" id="{F420A074-1420-7BB5-3098-B46CA110740A}"/>
-              </a:ext>
-            </a:extLst>
-          </p:cNvPr>
-          <p:cNvSpPr>
-            <a:spLocks noGrp="1"/>
-          </p:cNvSpPr>
-          <p:nvPr>
-            <p:ph type="title"/>
-          </p:nvPr>
-        </p:nvSpPr>
-        <p:spPr>
-          <a:xfrm>
-            <a:off x="719999" y="277845"/>
-            <a:ext cx="6624000" cy="504000"/>
-          </a:xfrm>
-        </p:spPr>
-        <p:txBody>
-          <a:bodyPr/>
-          <a:lstStyle/>
-          <a:p>
-            <a:r>
-              <a:rPr lang="en-US" dirty="0"/>
-              <a:t>Migrating Jest to </a:t>
-            </a:r>
-            <a:r>
-              <a:rPr lang="en-US" dirty="0" err="1"/>
-              <a:t>Vitest</a:t>
-            </a:r>
-            <a:endParaRPr lang="nl-NL" dirty="0"/>
-          </a:p>
-        </p:txBody>
-      </p:sp>
-      <p:sp>
-        <p:nvSpPr>
-          <p:cNvPr id="3" name="Content Placeholder 2">
-            <a:extLst>
-              <a:ext uri="{FF2B5EF4-FFF2-40B4-BE49-F238E27FC236}">
-                <a16:creationId xmlns:a16="http://schemas.microsoft.com/office/drawing/2014/main" id="{039732BB-918E-8D5C-2DD8-AC345AD4528F}"/>
-              </a:ext>
-            </a:extLst>
-          </p:cNvPr>
-          <p:cNvSpPr>
-            <a:spLocks noGrp="1"/>
-          </p:cNvSpPr>
-          <p:nvPr>
-            <p:ph idx="1"/>
-          </p:nvPr>
-        </p:nvSpPr>
-        <p:spPr>
-          <a:xfrm>
-            <a:off x="720003" y="936000"/>
-            <a:ext cx="6116225" cy="1175829"/>
-          </a:xfrm>
-        </p:spPr>
-        <p:txBody>
-          <a:bodyPr/>
-          <a:lstStyle/>
-          <a:p>
-            <a:pPr lvl="1"/>
-            <a:r>
-              <a:rPr lang="nl-NL" dirty="0" err="1"/>
-              <a:t>Replace</a:t>
-            </a:r>
-            <a:r>
-              <a:rPr lang="nl-NL" dirty="0"/>
-              <a:t> </a:t>
-            </a:r>
-            <a:r>
-              <a:rPr lang="nl-NL" i="1" dirty="0" err="1"/>
-              <a:t>jest.mock</a:t>
-            </a:r>
-            <a:r>
-              <a:rPr lang="nl-NL" i="1" dirty="0"/>
-              <a:t> </a:t>
-            </a:r>
-            <a:r>
-              <a:rPr lang="nl-NL" dirty="0" err="1"/>
-              <a:t>with</a:t>
-            </a:r>
-            <a:r>
-              <a:rPr lang="nl-NL" dirty="0"/>
-              <a:t> </a:t>
-            </a:r>
-            <a:r>
-              <a:rPr lang="nl-NL" i="1" dirty="0" err="1"/>
-              <a:t>vi.mock</a:t>
-            </a:r>
-            <a:endParaRPr lang="nl-NL" i="1" dirty="0"/>
-          </a:p>
-          <a:p>
-            <a:pPr lvl="1"/>
-            <a:r>
-              <a:rPr lang="nl-NL" dirty="0" err="1"/>
-              <a:t>Replace</a:t>
-            </a:r>
-            <a:r>
-              <a:rPr lang="nl-NL" dirty="0"/>
-              <a:t> </a:t>
-            </a:r>
-            <a:r>
-              <a:rPr lang="nl-NL" i="1" dirty="0" err="1"/>
-              <a:t>jest.fn</a:t>
-            </a:r>
-            <a:r>
-              <a:rPr lang="nl-NL" i="1" dirty="0"/>
-              <a:t>() </a:t>
-            </a:r>
-            <a:r>
-              <a:rPr lang="nl-NL" dirty="0" err="1"/>
-              <a:t>with</a:t>
-            </a:r>
-            <a:r>
-              <a:rPr lang="nl-NL" dirty="0"/>
-              <a:t> </a:t>
-            </a:r>
-            <a:r>
-              <a:rPr lang="nl-NL" i="1" dirty="0" err="1"/>
-              <a:t>vi.fn</a:t>
-            </a:r>
-            <a:r>
-              <a:rPr lang="nl-NL" i="1" dirty="0"/>
-              <a:t>()</a:t>
-            </a:r>
-          </a:p>
-          <a:p>
-            <a:pPr lvl="1"/>
-            <a:r>
-              <a:rPr lang="nl-NL" dirty="0" err="1"/>
-              <a:t>Replace</a:t>
-            </a:r>
-            <a:r>
-              <a:rPr lang="nl-NL" dirty="0"/>
-              <a:t> </a:t>
-            </a:r>
-            <a:r>
-              <a:rPr lang="nl-NL" i="1" dirty="0" err="1"/>
-              <a:t>jest.clearMocks</a:t>
-            </a:r>
-            <a:r>
-              <a:rPr lang="nl-NL" i="1" dirty="0"/>
-              <a:t>() </a:t>
-            </a:r>
-            <a:r>
-              <a:rPr lang="nl-NL" dirty="0" err="1"/>
-              <a:t>with</a:t>
-            </a:r>
-            <a:r>
-              <a:rPr lang="nl-NL" dirty="0"/>
-              <a:t> </a:t>
-            </a:r>
-            <a:r>
-              <a:rPr lang="nl-NL" i="1" dirty="0" err="1"/>
-              <a:t>vi.clearMocks</a:t>
-            </a:r>
-            <a:r>
-              <a:rPr lang="nl-NL" i="1" dirty="0"/>
-              <a:t>()</a:t>
-            </a:r>
-          </a:p>
-          <a:p>
-            <a:pPr lvl="1"/>
-            <a:r>
-              <a:rPr lang="nl-NL" dirty="0" err="1"/>
-              <a:t>Replace</a:t>
-            </a:r>
-            <a:r>
-              <a:rPr lang="nl-NL" dirty="0"/>
-              <a:t> </a:t>
-            </a:r>
-            <a:r>
-              <a:rPr lang="nl-NL" i="1" dirty="0" err="1"/>
-              <a:t>jest.spyOn</a:t>
-            </a:r>
-            <a:r>
-              <a:rPr lang="nl-NL" i="1" dirty="0"/>
-              <a:t>() </a:t>
-            </a:r>
-            <a:r>
-              <a:rPr lang="nl-NL" dirty="0" err="1"/>
-              <a:t>with</a:t>
-            </a:r>
-            <a:r>
-              <a:rPr lang="nl-NL" dirty="0"/>
-              <a:t> </a:t>
-            </a:r>
-            <a:r>
-              <a:rPr lang="nl-NL" i="1" dirty="0" err="1"/>
-              <a:t>vi.spyOn</a:t>
-            </a:r>
-            <a:r>
-              <a:rPr lang="nl-NL" i="1" dirty="0"/>
-              <a:t>()</a:t>
-            </a:r>
-            <a:endParaRPr lang="nl-NL" dirty="0"/>
-          </a:p>
-          <a:p>
-            <a:pPr lvl="1"/>
-            <a:endParaRPr lang="nl-NL" i="1" dirty="0"/>
-          </a:p>
-        </p:txBody>
-      </p:sp>
-      <p:sp>
-        <p:nvSpPr>
-          <p:cNvPr id="4" name="Footer Placeholder 3">
-            <a:extLst>
-              <a:ext uri="{FF2B5EF4-FFF2-40B4-BE49-F238E27FC236}">
-                <a16:creationId xmlns:a16="http://schemas.microsoft.com/office/drawing/2014/main" id="{B76B93F2-9CD3-992A-819D-F0D283B4ED17}"/>
-              </a:ext>
-            </a:extLst>
-          </p:cNvPr>
-          <p:cNvSpPr>
-            <a:spLocks noGrp="1"/>
-          </p:cNvSpPr>
-          <p:nvPr>
-            <p:ph type="ftr" sz="quarter" idx="11"/>
-          </p:nvPr>
-        </p:nvSpPr>
-        <p:spPr/>
-        <p:txBody>
-          <a:bodyPr/>
-          <a:lstStyle/>
-          <a:p>
-            <a:r>
-              <a:rPr lang="nl-NL"/>
-              <a:t>Vitest, unit testing</a:t>
-            </a:r>
-          </a:p>
-        </p:txBody>
-      </p:sp>
     </p:spTree>
     <p:extLst>
       <p:ext uri="{BB962C8B-B14F-4D97-AF65-F5344CB8AC3E}">
@@ -11886,7 +11919,7 @@
 </p:sld>
 </file>
 
-<file path=ppt/slides/slide18.xml><?xml version="1.0" encoding="utf-8"?>
+<file path=ppt/slides/slide17.xml><?xml version="1.0" encoding="utf-8"?>
 <p:sld xmlns:a="http://schemas.openxmlformats.org/drawingml/2006/main" xmlns:r="http://schemas.openxmlformats.org/officeDocument/2006/relationships" xmlns:p="http://schemas.openxmlformats.org/presentationml/2006/main">
   <p:cSld>
     <p:spTree>
@@ -12113,6 +12146,374 @@
     <p:extLst>
       <p:ext uri="{BB962C8B-B14F-4D97-AF65-F5344CB8AC3E}">
         <p14:creationId xmlns:p14="http://schemas.microsoft.com/office/powerpoint/2010/main" val="1593901203"/>
+      </p:ext>
+    </p:extLst>
+  </p:cSld>
+  <p:clrMapOvr>
+    <a:masterClrMapping/>
+  </p:clrMapOvr>
+</p:sld>
+</file>
+
+<file path=ppt/slides/slide18.xml><?xml version="1.0" encoding="utf-8"?>
+<p:sld xmlns:a="http://schemas.openxmlformats.org/drawingml/2006/main" xmlns:r="http://schemas.openxmlformats.org/officeDocument/2006/relationships" xmlns:p="http://schemas.openxmlformats.org/presentationml/2006/main">
+  <p:cSld>
+    <p:spTree>
+      <p:nvGrpSpPr>
+        <p:cNvPr id="1" name=""/>
+        <p:cNvGrpSpPr/>
+        <p:nvPr/>
+      </p:nvGrpSpPr>
+      <p:grpSpPr>
+        <a:xfrm>
+          <a:off x="0" y="0"/>
+          <a:ext cx="0" cy="0"/>
+          <a:chOff x="0" y="0"/>
+          <a:chExt cx="0" cy="0"/>
+        </a:xfrm>
+      </p:grpSpPr>
+      <p:sp>
+        <p:nvSpPr>
+          <p:cNvPr id="2" name="Title 1">
+            <a:extLst>
+              <a:ext uri="{FF2B5EF4-FFF2-40B4-BE49-F238E27FC236}">
+                <a16:creationId xmlns:a16="http://schemas.microsoft.com/office/drawing/2014/main" id="{F420A074-1420-7BB5-3098-B46CA110740A}"/>
+              </a:ext>
+            </a:extLst>
+          </p:cNvPr>
+          <p:cNvSpPr>
+            <a:spLocks noGrp="1"/>
+          </p:cNvSpPr>
+          <p:nvPr>
+            <p:ph type="title"/>
+          </p:nvPr>
+        </p:nvSpPr>
+        <p:spPr>
+          <a:xfrm>
+            <a:off x="719999" y="277845"/>
+            <a:ext cx="6624000" cy="504000"/>
+          </a:xfrm>
+        </p:spPr>
+        <p:txBody>
+          <a:bodyPr/>
+          <a:lstStyle/>
+          <a:p>
+            <a:r>
+              <a:rPr lang="en-US" dirty="0"/>
+              <a:t>Migrating Jest to </a:t>
+            </a:r>
+            <a:r>
+              <a:rPr lang="en-US" dirty="0" err="1"/>
+              <a:t>Vitest</a:t>
+            </a:r>
+            <a:endParaRPr lang="nl-NL" dirty="0"/>
+          </a:p>
+        </p:txBody>
+      </p:sp>
+      <p:sp>
+        <p:nvSpPr>
+          <p:cNvPr id="3" name="Content Placeholder 2">
+            <a:extLst>
+              <a:ext uri="{FF2B5EF4-FFF2-40B4-BE49-F238E27FC236}">
+                <a16:creationId xmlns:a16="http://schemas.microsoft.com/office/drawing/2014/main" id="{039732BB-918E-8D5C-2DD8-AC345AD4528F}"/>
+              </a:ext>
+            </a:extLst>
+          </p:cNvPr>
+          <p:cNvSpPr>
+            <a:spLocks noGrp="1"/>
+          </p:cNvSpPr>
+          <p:nvPr>
+            <p:ph idx="1"/>
+          </p:nvPr>
+        </p:nvSpPr>
+        <p:spPr>
+          <a:xfrm>
+            <a:off x="720003" y="936000"/>
+            <a:ext cx="6116225" cy="1175829"/>
+          </a:xfrm>
+        </p:spPr>
+        <p:txBody>
+          <a:bodyPr/>
+          <a:lstStyle/>
+          <a:p>
+            <a:pPr lvl="1"/>
+            <a:r>
+              <a:rPr lang="nl-NL" dirty="0" err="1"/>
+              <a:t>Build</a:t>
+            </a:r>
+            <a:r>
+              <a:rPr lang="nl-NL" dirty="0"/>
+              <a:t> Error</a:t>
+            </a:r>
+          </a:p>
+          <a:p>
+            <a:pPr lvl="1"/>
+            <a:endParaRPr lang="nl-NL" dirty="0"/>
+          </a:p>
+          <a:p>
+            <a:pPr lvl="1"/>
+            <a:endParaRPr lang="nl-NL" dirty="0"/>
+          </a:p>
+          <a:p>
+            <a:pPr lvl="1"/>
+            <a:endParaRPr lang="nl-NL" dirty="0"/>
+          </a:p>
+          <a:p>
+            <a:pPr lvl="1"/>
+            <a:endParaRPr lang="nl-NL" dirty="0"/>
+          </a:p>
+          <a:p>
+            <a:pPr lvl="1"/>
+            <a:r>
+              <a:rPr lang="nl-NL" dirty="0"/>
+              <a:t>Update </a:t>
+            </a:r>
+            <a:r>
+              <a:rPr lang="nl-NL" dirty="0" err="1"/>
+              <a:t>moduleResolution</a:t>
+            </a:r>
+            <a:r>
+              <a:rPr lang="nl-NL" dirty="0"/>
+              <a:t> </a:t>
+            </a:r>
+            <a:r>
+              <a:rPr lang="nl-NL" dirty="0" err="1"/>
+              <a:t>to</a:t>
+            </a:r>
+            <a:r>
+              <a:rPr lang="nl-NL" dirty="0"/>
+              <a:t> node16 or </a:t>
+            </a:r>
+            <a:r>
+              <a:rPr lang="nl-NL" dirty="0" err="1"/>
+              <a:t>NodeNext</a:t>
+            </a:r>
+            <a:r>
+              <a:rPr lang="nl-NL" dirty="0"/>
+              <a:t> (</a:t>
+            </a:r>
+            <a:r>
+              <a:rPr lang="nl-NL" dirty="0" err="1"/>
+              <a:t>tsconfig</a:t>
+            </a:r>
+            <a:r>
+              <a:rPr lang="nl-NL" dirty="0"/>
+              <a:t>)</a:t>
+            </a:r>
+          </a:p>
+          <a:p>
+            <a:pPr lvl="1"/>
+            <a:endParaRPr lang="nl-NL" dirty="0"/>
+          </a:p>
+          <a:p>
+            <a:pPr lvl="1"/>
+            <a:endParaRPr lang="nl-NL" dirty="0"/>
+          </a:p>
+          <a:p>
+            <a:pPr lvl="1"/>
+            <a:endParaRPr lang="nl-NL" dirty="0"/>
+          </a:p>
+          <a:p>
+            <a:pPr lvl="1"/>
+            <a:r>
+              <a:rPr lang="nl-NL" dirty="0"/>
+              <a:t>Has </a:t>
+            </a:r>
+            <a:r>
+              <a:rPr lang="nl-NL" dirty="0" err="1"/>
+              <a:t>the</a:t>
+            </a:r>
+            <a:r>
+              <a:rPr lang="nl-NL" dirty="0"/>
+              <a:t> </a:t>
+            </a:r>
+            <a:r>
+              <a:rPr lang="nl-NL" dirty="0" err="1"/>
+              <a:t>biggest</a:t>
+            </a:r>
+            <a:r>
+              <a:rPr lang="nl-NL" dirty="0"/>
+              <a:t> impact!</a:t>
+            </a:r>
+          </a:p>
+          <a:p>
+            <a:pPr lvl="1"/>
+            <a:endParaRPr lang="nl-NL" dirty="0"/>
+          </a:p>
+          <a:p>
+            <a:pPr lvl="1"/>
+            <a:endParaRPr lang="nl-NL" dirty="0"/>
+          </a:p>
+          <a:p>
+            <a:pPr lvl="1"/>
+            <a:endParaRPr lang="nl-NL" i="1" dirty="0"/>
+          </a:p>
+        </p:txBody>
+      </p:sp>
+      <p:sp>
+        <p:nvSpPr>
+          <p:cNvPr id="4" name="Footer Placeholder 3">
+            <a:extLst>
+              <a:ext uri="{FF2B5EF4-FFF2-40B4-BE49-F238E27FC236}">
+                <a16:creationId xmlns:a16="http://schemas.microsoft.com/office/drawing/2014/main" id="{B76B93F2-9CD3-992A-819D-F0D283B4ED17}"/>
+              </a:ext>
+            </a:extLst>
+          </p:cNvPr>
+          <p:cNvSpPr>
+            <a:spLocks noGrp="1"/>
+          </p:cNvSpPr>
+          <p:nvPr>
+            <p:ph type="ftr" sz="quarter" idx="11"/>
+          </p:nvPr>
+        </p:nvSpPr>
+        <p:spPr/>
+        <p:txBody>
+          <a:bodyPr/>
+          <a:lstStyle/>
+          <a:p>
+            <a:r>
+              <a:rPr lang="nl-NL"/>
+              <a:t>Vitest, unit testing</a:t>
+            </a:r>
+          </a:p>
+        </p:txBody>
+      </p:sp>
+      <p:pic>
+        <p:nvPicPr>
+          <p:cNvPr id="10" name="Picture 9">
+            <a:extLst>
+              <a:ext uri="{FF2B5EF4-FFF2-40B4-BE49-F238E27FC236}">
+                <a16:creationId xmlns:a16="http://schemas.microsoft.com/office/drawing/2014/main" id="{BEA4B18B-6534-D49F-59E5-86EC649A8572}"/>
+              </a:ext>
+            </a:extLst>
+          </p:cNvPr>
+          <p:cNvPicPr>
+            <a:picLocks noChangeAspect="1"/>
+          </p:cNvPicPr>
+          <p:nvPr/>
+        </p:nvPicPr>
+        <p:blipFill>
+          <a:blip r:embed="rId2"/>
+          <a:stretch>
+            <a:fillRect/>
+          </a:stretch>
+        </p:blipFill>
+        <p:spPr>
+          <a:xfrm>
+            <a:off x="351691" y="1299010"/>
+            <a:ext cx="8736037" cy="812819"/>
+          </a:xfrm>
+          <a:prstGeom prst="rect">
+            <a:avLst/>
+          </a:prstGeom>
+        </p:spPr>
+      </p:pic>
+      <p:pic>
+        <p:nvPicPr>
+          <p:cNvPr id="6" name="Picture 5">
+            <a:extLst>
+              <a:ext uri="{FF2B5EF4-FFF2-40B4-BE49-F238E27FC236}">
+                <a16:creationId xmlns:a16="http://schemas.microsoft.com/office/drawing/2014/main" id="{15669EA3-A37A-13FD-9B16-B12F4A785CDD}"/>
+              </a:ext>
+            </a:extLst>
+          </p:cNvPr>
+          <p:cNvPicPr>
+            <a:picLocks noChangeAspect="1"/>
+          </p:cNvPicPr>
+          <p:nvPr/>
+        </p:nvPicPr>
+        <p:blipFill>
+          <a:blip r:embed="rId3"/>
+          <a:stretch>
+            <a:fillRect/>
+          </a:stretch>
+        </p:blipFill>
+        <p:spPr>
+          <a:xfrm>
+            <a:off x="984921" y="2669671"/>
+            <a:ext cx="1924319" cy="362001"/>
+          </a:xfrm>
+          <a:prstGeom prst="rect">
+            <a:avLst/>
+          </a:prstGeom>
+        </p:spPr>
+      </p:pic>
+      <p:pic>
+        <p:nvPicPr>
+          <p:cNvPr id="8" name="Picture 7">
+            <a:extLst>
+              <a:ext uri="{FF2B5EF4-FFF2-40B4-BE49-F238E27FC236}">
+                <a16:creationId xmlns:a16="http://schemas.microsoft.com/office/drawing/2014/main" id="{4BC844E6-4BE9-74C1-5097-6174C66D97A6}"/>
+              </a:ext>
+            </a:extLst>
+          </p:cNvPr>
+          <p:cNvPicPr>
+            <a:picLocks noChangeAspect="1"/>
+          </p:cNvPicPr>
+          <p:nvPr/>
+        </p:nvPicPr>
+        <p:blipFill>
+          <a:blip r:embed="rId4"/>
+          <a:stretch>
+            <a:fillRect/>
+          </a:stretch>
+        </p:blipFill>
+        <p:spPr>
+          <a:xfrm>
+            <a:off x="4037908" y="2669671"/>
+            <a:ext cx="4334480" cy="552527"/>
+          </a:xfrm>
+          <a:prstGeom prst="rect">
+            <a:avLst/>
+          </a:prstGeom>
+        </p:spPr>
+      </p:pic>
+      <p:cxnSp>
+        <p:nvCxnSpPr>
+          <p:cNvPr id="11" name="Straight Arrow Connector 10">
+            <a:extLst>
+              <a:ext uri="{FF2B5EF4-FFF2-40B4-BE49-F238E27FC236}">
+                <a16:creationId xmlns:a16="http://schemas.microsoft.com/office/drawing/2014/main" id="{7F584999-9E37-5EB5-88FF-0E23ED7F24A9}"/>
+              </a:ext>
+            </a:extLst>
+          </p:cNvPr>
+          <p:cNvCxnSpPr/>
+          <p:nvPr/>
+        </p:nvCxnSpPr>
+        <p:spPr>
+          <a:xfrm>
+            <a:off x="3125337" y="2897875"/>
+            <a:ext cx="714233" cy="0"/>
+          </a:xfrm>
+          <a:prstGeom prst="straightConnector1">
+            <a:avLst/>
+          </a:prstGeom>
+          <a:ln w="57150">
+            <a:solidFill>
+              <a:schemeClr val="tx1"/>
+            </a:solidFill>
+            <a:tailEnd type="triangle"/>
+          </a:ln>
+        </p:spPr>
+        <p:style>
+          <a:lnRef idx="1">
+            <a:schemeClr val="accent1"/>
+          </a:lnRef>
+          <a:fillRef idx="0">
+            <a:schemeClr val="accent1"/>
+          </a:fillRef>
+          <a:effectRef idx="0">
+            <a:schemeClr val="accent1"/>
+          </a:effectRef>
+          <a:fontRef idx="minor">
+            <a:schemeClr val="tx1"/>
+          </a:fontRef>
+        </p:style>
+      </p:cxnSp>
+    </p:spTree>
+    <p:extLst>
+      <p:ext uri="{BB962C8B-B14F-4D97-AF65-F5344CB8AC3E}">
+        <p14:creationId xmlns:p14="http://schemas.microsoft.com/office/powerpoint/2010/main" val="1959876293"/>
       </p:ext>
     </p:extLst>
   </p:cSld>
@@ -43980,12 +44381,21 @@
 </file>
 
 <file path=customXml/item1.xml><?xml version="1.0" encoding="utf-8"?>
+<?mso-contentType ?>
+<FormTemplates xmlns="http://schemas.microsoft.com/sharepoint/v3/contenttype/forms">
+  <Display>DocumentLibraryForm</Display>
+  <Edit>DocumentLibraryForm</Edit>
+  <New>DocumentLibraryForm</New>
+</FormTemplates>
+</file>
+
+<file path=customXml/item2.xml><?xml version="1.0" encoding="utf-8"?>
 <p:properties xmlns:p="http://schemas.microsoft.com/office/2006/metadata/properties" xmlns:xsi="http://www.w3.org/2001/XMLSchema-instance" xmlns:pc="http://schemas.microsoft.com/office/infopath/2007/PartnerControls">
   <documentManagement/>
 </p:properties>
 </file>
 
-<file path=customXml/item2.xml><?xml version="1.0" encoding="utf-8"?>
+<file path=customXml/item3.xml><?xml version="1.0" encoding="utf-8"?>
 <ct:contentTypeSchema xmlns:ct="http://schemas.microsoft.com/office/2006/metadata/contentType" xmlns:ma="http://schemas.microsoft.com/office/2006/metadata/properties/metaAttributes" ct:_="" ma:_="" ma:contentTypeName="Document" ma:contentTypeID="0x010100E60B9E64A7B90B499F767EB2F0BD9B16" ma:contentTypeVersion="6" ma:contentTypeDescription="Een nieuw document maken." ma:contentTypeScope="" ma:versionID="b06164b3fd5da11ca9f7bb1b82024672">
   <xsd:schema xmlns:xsd="http://www.w3.org/2001/XMLSchema" xmlns:xs="http://www.w3.org/2001/XMLSchema" xmlns:p="http://schemas.microsoft.com/office/2006/metadata/properties" xmlns:ns2="bd3a200e-a112-4432-b134-79c9e3991b87" xmlns:ns3="a74c57c6-afd1-46a5-a503-29300b13d321" targetNamespace="http://schemas.microsoft.com/office/2006/metadata/properties" ma:root="true" ma:fieldsID="12483fe1a591bf0ffa72e05baf87ef3d" ns2:_="" ns3:_="">
     <xsd:import namespace="bd3a200e-a112-4432-b134-79c9e3991b87"/>
@@ -44162,16 +44572,15 @@
 </ct:contentTypeSchema>
 </file>
 
-<file path=customXml/item3.xml><?xml version="1.0" encoding="utf-8"?>
-<?mso-contentType ?>
-<FormTemplates xmlns="http://schemas.microsoft.com/sharepoint/v3/contenttype/forms">
-  <Display>DocumentLibraryForm</Display>
-  <Edit>DocumentLibraryForm</Edit>
-  <New>DocumentLibraryForm</New>
-</FormTemplates>
+<file path=customXml/itemProps1.xml><?xml version="1.0" encoding="utf-8"?>
+<ds:datastoreItem xmlns:ds="http://schemas.openxmlformats.org/officeDocument/2006/customXml" ds:itemID="{15DF2822-16E4-4479-B239-41A079CBB65B}">
+  <ds:schemaRefs>
+    <ds:schemaRef ds:uri="http://schemas.microsoft.com/sharepoint/v3/contenttype/forms"/>
+  </ds:schemaRefs>
+</ds:datastoreItem>
 </file>
 
-<file path=customXml/itemProps1.xml><?xml version="1.0" encoding="utf-8"?>
+<file path=customXml/itemProps2.xml><?xml version="1.0" encoding="utf-8"?>
 <ds:datastoreItem xmlns:ds="http://schemas.openxmlformats.org/officeDocument/2006/customXml" ds:itemID="{63653586-D9AD-4A7C-AE25-8F164514A81A}">
   <ds:schemaRefs>
     <ds:schemaRef ds:uri="http://schemas.microsoft.com/office/2006/metadata/properties"/>
@@ -44180,7 +44589,7 @@
 </ds:datastoreItem>
 </file>
 
-<file path=customXml/itemProps2.xml><?xml version="1.0" encoding="utf-8"?>
+<file path=customXml/itemProps3.xml><?xml version="1.0" encoding="utf-8"?>
 <ds:datastoreItem xmlns:ds="http://schemas.openxmlformats.org/officeDocument/2006/customXml" ds:itemID="{3820B2B8-E73A-4CEA-B66F-D4C256B09F5E}">
   <ds:schemaRefs>
     <ds:schemaRef ds:uri="http://schemas.microsoft.com/office/2006/metadata/contentType"/>
@@ -44197,12 +44606,4 @@
     <ds:schemaRef ds:uri="http://schemas.microsoft.com/internal/obd"/>
   </ds:schemaRefs>
 </ds:datastoreItem>
-</file>
-
-<file path=customXml/itemProps3.xml><?xml version="1.0" encoding="utf-8"?>
-<ds:datastoreItem xmlns:ds="http://schemas.openxmlformats.org/officeDocument/2006/customXml" ds:itemID="{15DF2822-16E4-4479-B239-41A079CBB65B}">
-  <ds:schemaRefs>
-    <ds:schemaRef ds:uri="http://schemas.microsoft.com/sharepoint/v3/contenttype/forms"/>
-  </ds:schemaRefs>
-</ds:datastoreItem>
 </file>
--- a/typescript_unit_testing_with_vitest.pptx
+++ b/typescript_unit_testing_with_vitest.pptx
@@ -29,9 +29,9 @@
     <p:sldId id="390" r:id="rId23"/>
     <p:sldId id="396" r:id="rId24"/>
     <p:sldId id="391" r:id="rId25"/>
-    <p:sldId id="392" r:id="rId26"/>
-    <p:sldId id="394" r:id="rId27"/>
-    <p:sldId id="393" r:id="rId28"/>
+    <p:sldId id="393" r:id="rId26"/>
+    <p:sldId id="392" r:id="rId27"/>
+    <p:sldId id="394" r:id="rId28"/>
     <p:sldId id="397" r:id="rId29"/>
     <p:sldId id="395" r:id="rId30"/>
     <p:sldId id="398" r:id="rId31"/>
@@ -13673,6 +13673,25 @@
               <a:t> </a:t>
             </a:r>
             <a:r>
+              <a:rPr lang="nl-NL" dirty="0">
+                <a:solidFill>
+                  <a:srgbClr val="005CC5"/>
+                </a:solidFill>
+                <a:latin typeface="ui-monospace"/>
+              </a:rPr>
+              <a:t>--</a:t>
+            </a:r>
+            <a:r>
+              <a:rPr lang="nl-NL" b="0" dirty="0" err="1">
+                <a:solidFill>
+                  <a:srgbClr val="005CC5"/>
+                </a:solidFill>
+                <a:effectLst/>
+                <a:latin typeface="ui-monospace"/>
+              </a:rPr>
+              <a:t>outputFile.junit</a:t>
+            </a:r>
+            <a:r>
               <a:rPr lang="nl-NL" b="0" dirty="0">
                 <a:solidFill>
                   <a:srgbClr val="005CC5"/>
@@ -13680,7 +13699,55 @@
                 <a:effectLst/>
                 <a:latin typeface="ui-monospace"/>
               </a:rPr>
-              <a:t>–</a:t>
+              <a:t>=./junit-report.</a:t>
+            </a:r>
+            <a:r>
+              <a:rPr lang="nl-NL" b="0">
+                <a:solidFill>
+                  <a:srgbClr val="005CC5"/>
+                </a:solidFill>
+                <a:effectLst/>
+                <a:latin typeface="ui-monospace"/>
+              </a:rPr>
+              <a:t>xml </a:t>
+            </a:r>
+            <a:r>
+              <a:rPr lang="nl-NL" b="0">
+                <a:solidFill>
+                  <a:srgbClr val="0070C0"/>
+                </a:solidFill>
+                <a:effectLst/>
+                <a:latin typeface="ui-monospace"/>
+              </a:rPr>
+              <a:t> </a:t>
+            </a:r>
+            <a:r>
+              <a:rPr lang="nl-NL">
+                <a:solidFill>
+                  <a:srgbClr val="005CC5"/>
+                </a:solidFill>
+                <a:latin typeface="ui-monospace"/>
+              </a:rPr>
+              <a:t>-</a:t>
+            </a:r>
+            <a:r>
+              <a:rPr lang="nl-NL" dirty="0">
+                <a:solidFill>
+                  <a:srgbClr val="005CC5"/>
+                </a:solidFill>
+                <a:latin typeface="ui-monospace"/>
+              </a:rPr>
+              <a:t>-</a:t>
+            </a:r>
+            <a:r>
+              <a:rPr lang="nl-NL" b="0">
+                <a:solidFill>
+                  <a:srgbClr val="005CC5"/>
+                </a:solidFill>
+                <a:effectLst/>
+                <a:latin typeface="ui-monospace"/>
+              </a:rPr>
+              <a:t>outputFile</a:t>
             </a:r>
             <a:r>
               <a:rPr lang="nl-NL" b="0" dirty="0" err="1">
@@ -13690,47 +13757,7 @@
                 <a:effectLst/>
                 <a:latin typeface="ui-monospace"/>
               </a:rPr>
-              <a:t>outputFile.junit</a:t>
-            </a:r>
-            <a:r>
-              <a:rPr lang="nl-NL" b="0" dirty="0">
-                <a:solidFill>
-                  <a:srgbClr val="005CC5"/>
-                </a:solidFill>
-                <a:effectLst/>
-                <a:latin typeface="ui-monospace"/>
-              </a:rPr>
-              <a:t>=./junit-report.xml </a:t>
-            </a:r>
-            <a:r>
-              <a:rPr lang="nl-NL" b="0" dirty="0">
-                <a:solidFill>
-                  <a:srgbClr val="0070C0"/>
-                </a:solidFill>
-                <a:effectLst/>
-                <a:latin typeface="ui-monospace"/>
-              </a:rPr>
-              <a:t> </a:t>
-            </a:r>
-            <a:r>
-              <a:rPr lang="nl-NL" b="0" dirty="0">
-                <a:solidFill>
-                  <a:srgbClr val="005CC5"/>
-                </a:solidFill>
-                <a:effectLst/>
-                <a:latin typeface="ui-monospace"/>
-              </a:rPr>
-              <a:t>–</a:t>
-            </a:r>
-            <a:r>
-              <a:rPr lang="nl-NL" b="0" dirty="0" err="1">
-                <a:solidFill>
-                  <a:srgbClr val="005CC5"/>
-                </a:solidFill>
-                <a:effectLst/>
-                <a:latin typeface="ui-monospace"/>
-              </a:rPr>
-              <a:t>outputFile.json</a:t>
+              <a:t>.json</a:t>
             </a:r>
             <a:r>
               <a:rPr lang="nl-NL" b="0" dirty="0">
@@ -14748,7 +14775,7 @@
           <a:p>
             <a:r>
               <a:rPr lang="en-US" dirty="0"/>
-              <a:t>Built-in reporters: Basic</a:t>
+              <a:t>Built-in reporters: Verbose</a:t>
             </a:r>
             <a:endParaRPr lang="nl-NL" dirty="0"/>
           </a:p>
@@ -14773,12 +14800,12 @@
         <p:spPr>
           <a:xfrm>
             <a:off x="720004" y="935999"/>
-            <a:ext cx="6623996" cy="1999125"/>
+            <a:ext cx="7034108" cy="3219035"/>
           </a:xfrm>
         </p:spPr>
         <p:txBody>
           <a:bodyPr>
-            <a:normAutofit fontScale="85000" lnSpcReduction="20000"/>
+            <a:normAutofit fontScale="77500" lnSpcReduction="20000"/>
           </a:bodyPr>
           <a:lstStyle/>
           <a:p>
@@ -14790,7 +14817,7 @@
                 <a:effectLst/>
                 <a:latin typeface="+mj-lt"/>
               </a:rPr>
-              <a:t>Displays the test files that have run and a summary of results after the entire suite has finished running.</a:t>
+              <a:t>Same as Default without collapsing the subtrees.</a:t>
             </a:r>
           </a:p>
           <a:p>
@@ -14802,7 +14829,7 @@
                 <a:effectLst/>
                 <a:latin typeface="+mj-lt"/>
               </a:rPr>
-              <a:t>Individual tests are only included in the report when they fail.</a:t>
+              <a:t>Individual tests are included in the report passed as well as failed.</a:t>
             </a:r>
           </a:p>
           <a:p>
@@ -14819,62 +14846,172 @@
               <a:buNone/>
             </a:pPr>
             <a:r>
-              <a:rPr lang="nl-NL" b="0" i="0" dirty="0">
-                <a:effectLst/>
+              <a:rPr lang="en-US" dirty="0">
                 <a:latin typeface="ui-monospace"/>
               </a:rPr>
-              <a:t>	✓ __tests__/file1.test.ts (2) 725ms</a:t>
-            </a:r>
+              <a:t>	</a:t>
+            </a:r>
+            <a:r>
+              <a:rPr lang="en-US" b="0" i="0" dirty="0">
+                <a:effectLst/>
+                <a:latin typeface="ui-monospace"/>
+              </a:rPr>
+              <a:t>✓ __tests__/file1.test.ts (2) 725ms </a:t>
+            </a:r>
+          </a:p>
+          <a:p>
+            <a:pPr marL="180000" lvl="1" indent="0">
+              <a:buNone/>
+            </a:pPr>
+            <a:r>
+              <a:rPr lang="en-US" b="0" i="0" dirty="0">
+                <a:effectLst/>
+                <a:latin typeface="ui-monospace"/>
+              </a:rPr>
+              <a:t>	</a:t>
+            </a:r>
+            <a:r>
+              <a:rPr lang="en-US" dirty="0">
+                <a:latin typeface="ui-monospace"/>
+              </a:rPr>
+              <a:t>    </a:t>
+            </a:r>
+            <a:r>
+              <a:rPr lang="en-US" b="0" i="0" dirty="0">
+                <a:effectLst/>
+                <a:latin typeface="ui-monospace"/>
+              </a:rPr>
+              <a:t>✓ second test file (2) 746ms </a:t>
+            </a:r>
+          </a:p>
+          <a:p>
+            <a:pPr marL="180000" lvl="1" indent="0">
+              <a:buNone/>
+            </a:pPr>
+            <a:r>
+              <a:rPr lang="en-US" dirty="0">
+                <a:latin typeface="ui-monospace"/>
+              </a:rPr>
+              <a:t>	        </a:t>
+            </a:r>
+            <a:r>
+              <a:rPr lang="en-US" b="0" i="0" dirty="0">
+                <a:effectLst/>
+                <a:latin typeface="ui-monospace"/>
+              </a:rPr>
+              <a:t>✓ 1 + 1 should equal 2 </a:t>
+            </a:r>
+          </a:p>
+          <a:p>
+            <a:pPr marL="180000" lvl="1" indent="0">
+              <a:buNone/>
+            </a:pPr>
+            <a:r>
+              <a:rPr lang="en-US" dirty="0">
+                <a:latin typeface="ui-monospace"/>
+              </a:rPr>
+              <a:t>	        </a:t>
+            </a:r>
+            <a:r>
+              <a:rPr lang="en-US" b="0" i="0" dirty="0">
+                <a:effectLst/>
+                <a:latin typeface="ui-monospace"/>
+              </a:rPr>
+              <a:t>✓ 2 - 1 should equal 1</a:t>
+            </a:r>
+            <a:endParaRPr lang="en-US" dirty="0">
+              <a:solidFill>
+                <a:srgbClr val="3C3C43"/>
+              </a:solidFill>
+              <a:latin typeface="+mj-lt"/>
+            </a:endParaRPr>
           </a:p>
           <a:p>
             <a:pPr marL="0" indent="0">
               <a:buNone/>
             </a:pPr>
             <a:r>
-              <a:rPr lang="nl-NL" dirty="0">
+              <a:rPr lang="en-US" b="0" i="0" dirty="0">
+                <a:effectLst/>
                 <a:latin typeface="ui-monospace"/>
               </a:rPr>
+              <a:t>	✓ __tests__/file2.test.ts (5) 746ms</a:t>
+            </a:r>
+          </a:p>
+          <a:p>
+            <a:pPr marL="180000" lvl="1" indent="0">
+              <a:buNone/>
+            </a:pPr>
+            <a:r>
+              <a:rPr lang="en-US" b="0" i="0" dirty="0">
+                <a:effectLst/>
+                <a:latin typeface="ui-monospace"/>
+              </a:rPr>
               <a:t>	</a:t>
             </a:r>
             <a:r>
-              <a:rPr lang="nl-NL" b="0" i="0" dirty="0">
-                <a:effectLst/>
+              <a:rPr lang="en-US" dirty="0">
                 <a:latin typeface="ui-monospace"/>
               </a:rPr>
-              <a:t>✓ __tests__/file2.test.ts (2) 746ms</a:t>
-            </a:r>
+              <a:t>    </a:t>
+            </a:r>
+            <a:r>
+              <a:rPr lang="en-US" b="0" i="0" dirty="0">
+                <a:effectLst/>
+                <a:latin typeface="ui-monospace"/>
+              </a:rPr>
+              <a:t>✓ second test file (2) 746ms </a:t>
+            </a:r>
+          </a:p>
+          <a:p>
+            <a:pPr marL="180000" lvl="1" indent="0">
+              <a:buNone/>
+            </a:pPr>
+            <a:r>
+              <a:rPr lang="en-US" dirty="0">
+                <a:latin typeface="ui-monospace"/>
+              </a:rPr>
+              <a:t>	        </a:t>
+            </a:r>
+            <a:r>
+              <a:rPr lang="en-US" b="0" i="0" dirty="0">
+                <a:effectLst/>
+                <a:latin typeface="ui-monospace"/>
+              </a:rPr>
+              <a:t>✓ 1 + 1 should equal 2 </a:t>
+            </a:r>
+          </a:p>
+          <a:p>
+            <a:pPr marL="180000" lvl="1" indent="0">
+              <a:buNone/>
+            </a:pPr>
+            <a:r>
+              <a:rPr lang="en-US" dirty="0">
+                <a:latin typeface="ui-monospace"/>
+              </a:rPr>
+              <a:t>	        </a:t>
+            </a:r>
+            <a:r>
+              <a:rPr lang="en-US" b="0" i="0" dirty="0">
+                <a:effectLst/>
+                <a:latin typeface="ui-monospace"/>
+              </a:rPr>
+              <a:t>✓ 2 - 1 should equal 1</a:t>
+            </a:r>
+            <a:endParaRPr lang="en-US" dirty="0">
+              <a:solidFill>
+                <a:srgbClr val="3C3C43"/>
+              </a:solidFill>
+              <a:latin typeface="+mj-lt"/>
+            </a:endParaRPr>
           </a:p>
           <a:p>
             <a:pPr marL="0" indent="0">
               <a:buNone/>
             </a:pPr>
-            <a:r>
-              <a:rPr lang="nl-NL" dirty="0">
-                <a:latin typeface="ui-monospace"/>
-              </a:rPr>
-              <a:t>	  </a:t>
-            </a:r>
-            <a:r>
-              <a:rPr lang="nl-NL" b="0" i="0" dirty="0">
-                <a:effectLst/>
-                <a:latin typeface="ui-monospace"/>
-              </a:rPr>
-              <a:t>Test Files 2 </a:t>
-            </a:r>
-            <a:r>
-              <a:rPr lang="nl-NL" b="0" i="0" dirty="0" err="1">
-                <a:effectLst/>
-                <a:latin typeface="ui-monospace"/>
-              </a:rPr>
-              <a:t>passed</a:t>
-            </a:r>
-            <a:r>
-              <a:rPr lang="nl-NL" b="0" i="0" dirty="0">
-                <a:effectLst/>
-                <a:latin typeface="ui-monospace"/>
-              </a:rPr>
-              <a:t> (2)</a:t>
-            </a:r>
+            <a:endParaRPr lang="nl-NL" dirty="0">
+              <a:latin typeface="ui-monospace"/>
+            </a:endParaRPr>
           </a:p>
           <a:p>
             <a:pPr marL="0" indent="0">
@@ -14884,14 +15021,14 @@
               <a:rPr lang="nl-NL" dirty="0">
                 <a:latin typeface="ui-monospace"/>
               </a:rPr>
-              <a:t>	          </a:t>
+              <a:t>	  </a:t>
             </a:r>
             <a:r>
               <a:rPr lang="nl-NL" b="0" i="0" dirty="0">
                 <a:effectLst/>
                 <a:latin typeface="ui-monospace"/>
               </a:rPr>
-              <a:t>Tests 4 </a:t>
+              <a:t>Test Files 2 </a:t>
             </a:r>
             <a:r>
               <a:rPr lang="nl-NL" b="0" i="0" dirty="0" err="1">
@@ -14905,7 +15042,7 @@
                 <a:effectLst/>
                 <a:latin typeface="ui-monospace"/>
               </a:rPr>
-              <a:t> (4)</a:t>
+              <a:t> (2)</a:t>
             </a:r>
           </a:p>
           <a:p>
@@ -14916,6 +15053,38 @@
               <a:rPr lang="nl-NL" dirty="0">
                 <a:latin typeface="ui-monospace"/>
               </a:rPr>
+              <a:t>	          </a:t>
+            </a:r>
+            <a:r>
+              <a:rPr lang="nl-NL" b="0" i="0" dirty="0">
+                <a:effectLst/>
+                <a:latin typeface="ui-monospace"/>
+              </a:rPr>
+              <a:t>Tests 4 </a:t>
+            </a:r>
+            <a:r>
+              <a:rPr lang="nl-NL" b="0" i="0" dirty="0" err="1">
+                <a:effectLst/>
+                <a:latin typeface="ui-monospace"/>
+              </a:rPr>
+              <a:t>passed</a:t>
+            </a:r>
+            <a:r>
+              <a:rPr lang="nl-NL" b="0" i="0" dirty="0">
+                <a:effectLst/>
+                <a:latin typeface="ui-monospace"/>
+              </a:rPr>
+              <a:t> (4)</a:t>
+            </a:r>
+          </a:p>
+          <a:p>
+            <a:pPr marL="0" indent="0">
+              <a:buNone/>
+            </a:pPr>
+            <a:r>
+              <a:rPr lang="nl-NL" dirty="0">
+                <a:latin typeface="ui-monospace"/>
+              </a:rPr>
               <a:t>	       </a:t>
             </a:r>
             <a:r>
@@ -14923,7 +15092,19 @@
                 <a:effectLst/>
                 <a:latin typeface="ui-monospace"/>
               </a:rPr>
-              <a:t>Start at 12:34:32 </a:t>
+              <a:t>Start at 12:34:32</a:t>
+            </a:r>
+          </a:p>
+          <a:p>
+            <a:pPr marL="0" indent="0">
+              <a:buNone/>
+            </a:pPr>
+            <a:r>
+              <a:rPr lang="nl-NL" b="0" i="0" dirty="0">
+                <a:effectLst/>
+                <a:latin typeface="ui-monospace"/>
+              </a:rPr>
+              <a:t>	       </a:t>
             </a:r>
             <a:r>
               <a:rPr lang="nl-NL" b="0" i="0" dirty="0" err="1">
@@ -15013,7 +15194,7 @@
     </p:spTree>
     <p:extLst>
       <p:ext uri="{BB962C8B-B14F-4D97-AF65-F5344CB8AC3E}">
-        <p14:creationId xmlns:p14="http://schemas.microsoft.com/office/powerpoint/2010/main" val="1221538640"/>
+        <p14:creationId xmlns:p14="http://schemas.microsoft.com/office/powerpoint/2010/main" val="4239046025"/>
       </p:ext>
     </p:extLst>
   </p:cSld>
@@ -15063,7 +15244,7 @@
           <a:p>
             <a:r>
               <a:rPr lang="en-US" dirty="0"/>
-              <a:t>Built-in reporters: Dot</a:t>
+              <a:t>Built-in reporters: Basic</a:t>
             </a:r>
             <a:endParaRPr lang="nl-NL" dirty="0"/>
           </a:p>
@@ -15093,7 +15274,7 @@
         </p:spPr>
         <p:txBody>
           <a:bodyPr>
-            <a:normAutofit/>
+            <a:normAutofit fontScale="85000" lnSpcReduction="20000"/>
           </a:bodyPr>
           <a:lstStyle/>
           <a:p>
@@ -15105,40 +15286,58 @@
                 <a:effectLst/>
                 <a:latin typeface="+mj-lt"/>
               </a:rPr>
-              <a:t>Prints only a single dot for each completed test to provide minimal output</a:t>
-            </a:r>
-            <a:endParaRPr lang="en-US" dirty="0">
+              <a:t>Displays the test files that have run and a summary of results after the entire suite has finished running.</a:t>
+            </a:r>
+          </a:p>
+          <a:p>
+            <a:r>
+              <a:rPr lang="en-US" b="0" i="0" dirty="0">
+                <a:solidFill>
+                  <a:srgbClr val="3C3C43"/>
+                </a:solidFill>
+                <a:effectLst/>
+                <a:latin typeface="+mj-lt"/>
+              </a:rPr>
+              <a:t>Individual tests are only included in the report when they fail.</a:t>
+            </a:r>
+          </a:p>
+          <a:p>
+            <a:endParaRPr lang="en-US" b="0" i="0" dirty="0">
               <a:solidFill>
                 <a:srgbClr val="3C3C43"/>
               </a:solidFill>
+              <a:effectLst/>
               <a:latin typeface="+mj-lt"/>
             </a:endParaRPr>
           </a:p>
           <a:p>
-            <a:r>
-              <a:rPr lang="en-US" b="0" i="0" dirty="0">
-                <a:solidFill>
-                  <a:srgbClr val="3C3C43"/>
-                </a:solidFill>
-                <a:effectLst/>
-                <a:latin typeface="+mj-lt"/>
-              </a:rPr>
-              <a:t>Details are provided for failed tests, along with the basic reporter summary</a:t>
-            </a:r>
-          </a:p>
-          <a:p>
-            <a:pPr marL="540000" lvl="3" indent="0">
+            <a:pPr marL="0" indent="0">
               <a:buNone/>
             </a:pPr>
             <a:r>
-              <a:rPr lang="en-US" b="1" i="0" dirty="0">
-                <a:solidFill>
-                  <a:srgbClr val="3C3C43"/>
-                </a:solidFill>
-                <a:effectLst/>
-                <a:latin typeface="+mj-lt"/>
-              </a:rPr>
-              <a:t>. . . .</a:t>
+              <a:rPr lang="nl-NL" b="0" i="0" dirty="0">
+                <a:effectLst/>
+                <a:latin typeface="ui-monospace"/>
+              </a:rPr>
+              <a:t>	✓ __tests__/file1.test.ts (2) 725ms</a:t>
+            </a:r>
+          </a:p>
+          <a:p>
+            <a:pPr marL="0" indent="0">
+              <a:buNone/>
+            </a:pPr>
+            <a:r>
+              <a:rPr lang="nl-NL" dirty="0">
+                <a:latin typeface="ui-monospace"/>
+              </a:rPr>
+              <a:t>	</a:t>
+            </a:r>
+            <a:r>
+              <a:rPr lang="nl-NL" b="0" i="0" dirty="0">
+                <a:effectLst/>
+                <a:latin typeface="ui-monospace"/>
+              </a:rPr>
+              <a:t>✓ __tests__/file2.test.ts (2) 746ms</a:t>
             </a:r>
           </a:p>
           <a:p>
@@ -15310,7 +15509,7 @@
     </p:spTree>
     <p:extLst>
       <p:ext uri="{BB962C8B-B14F-4D97-AF65-F5344CB8AC3E}">
-        <p14:creationId xmlns:p14="http://schemas.microsoft.com/office/powerpoint/2010/main" val="3941090643"/>
+        <p14:creationId xmlns:p14="http://schemas.microsoft.com/office/powerpoint/2010/main" val="1221538640"/>
       </p:ext>
     </p:extLst>
   </p:cSld>
@@ -15360,7 +15559,7 @@
           <a:p>
             <a:r>
               <a:rPr lang="en-US" dirty="0"/>
-              <a:t>Built-in reporters: Verbose</a:t>
+              <a:t>Built-in reporters: Dot</a:t>
             </a:r>
             <a:endParaRPr lang="nl-NL" dirty="0"/>
           </a:p>
@@ -15385,12 +15584,12 @@
         <p:spPr>
           <a:xfrm>
             <a:off x="720004" y="935999"/>
-            <a:ext cx="7034108" cy="3219035"/>
+            <a:ext cx="6623996" cy="1999125"/>
           </a:xfrm>
         </p:spPr>
         <p:txBody>
           <a:bodyPr>
-            <a:normAutofit fontScale="77500" lnSpcReduction="20000"/>
+            <a:normAutofit/>
           </a:bodyPr>
           <a:lstStyle/>
           <a:p>
@@ -15402,107 +15601,7 @@
                 <a:effectLst/>
                 <a:latin typeface="+mj-lt"/>
               </a:rPr>
-              <a:t>Same as Default without collapsing the subtrees.</a:t>
-            </a:r>
-          </a:p>
-          <a:p>
-            <a:r>
-              <a:rPr lang="en-US" b="0" i="0" dirty="0">
-                <a:solidFill>
-                  <a:srgbClr val="3C3C43"/>
-                </a:solidFill>
-                <a:effectLst/>
-                <a:latin typeface="+mj-lt"/>
-              </a:rPr>
-              <a:t>Individual tests are included in the report passed as well as failed.</a:t>
-            </a:r>
-          </a:p>
-          <a:p>
-            <a:endParaRPr lang="en-US" b="0" i="0" dirty="0">
-              <a:solidFill>
-                <a:srgbClr val="3C3C43"/>
-              </a:solidFill>
-              <a:effectLst/>
-              <a:latin typeface="+mj-lt"/>
-            </a:endParaRPr>
-          </a:p>
-          <a:p>
-            <a:pPr marL="0" indent="0">
-              <a:buNone/>
-            </a:pPr>
-            <a:r>
-              <a:rPr lang="en-US" dirty="0">
-                <a:latin typeface="ui-monospace"/>
-              </a:rPr>
-              <a:t>	</a:t>
-            </a:r>
-            <a:r>
-              <a:rPr lang="en-US" b="0" i="0" dirty="0">
-                <a:effectLst/>
-                <a:latin typeface="ui-monospace"/>
-              </a:rPr>
-              <a:t>✓ __tests__/file1.test.ts (2) 725ms </a:t>
-            </a:r>
-          </a:p>
-          <a:p>
-            <a:pPr marL="180000" lvl="1" indent="0">
-              <a:buNone/>
-            </a:pPr>
-            <a:r>
-              <a:rPr lang="en-US" b="0" i="0" dirty="0">
-                <a:effectLst/>
-                <a:latin typeface="ui-monospace"/>
-              </a:rPr>
-              <a:t>	</a:t>
-            </a:r>
-            <a:r>
-              <a:rPr lang="en-US" dirty="0">
-                <a:latin typeface="ui-monospace"/>
-              </a:rPr>
-              <a:t>    </a:t>
-            </a:r>
-            <a:r>
-              <a:rPr lang="en-US" b="0" i="0" dirty="0">
-                <a:effectLst/>
-                <a:latin typeface="ui-monospace"/>
-              </a:rPr>
-              <a:t>✓ second test file (2) 746ms </a:t>
-            </a:r>
-          </a:p>
-          <a:p>
-            <a:pPr marL="180000" lvl="1" indent="0">
-              <a:buNone/>
-            </a:pPr>
-            <a:r>
-              <a:rPr lang="en-US" dirty="0">
-                <a:latin typeface="ui-monospace"/>
-              </a:rPr>
-              <a:t>	        </a:t>
-            </a:r>
-            <a:r>
-              <a:rPr lang="en-US" b="0" i="0" dirty="0">
-                <a:effectLst/>
-                <a:latin typeface="ui-monospace"/>
-              </a:rPr>
-              <a:t>✓ 1 + 1 should equal 2 </a:t>
-            </a:r>
-          </a:p>
-          <a:p>
-            <a:pPr marL="180000" lvl="1" indent="0">
-              <a:buNone/>
-            </a:pPr>
-            <a:r>
-              <a:rPr lang="en-US" dirty="0">
-                <a:latin typeface="ui-monospace"/>
-              </a:rPr>
-              <a:t>	        </a:t>
-            </a:r>
-            <a:r>
-              <a:rPr lang="en-US" b="0" i="0" dirty="0">
-                <a:effectLst/>
-                <a:latin typeface="ui-monospace"/>
-              </a:rPr>
-              <a:t>✓ 2 - 1 should equal 1</a:t>
+              <a:t>Prints only a single dot for each completed test to provide minimal output</a:t>
             </a:r>
             <a:endParaRPr lang="en-US" dirty="0">
               <a:solidFill>
@@ -15512,91 +15611,95 @@
             </a:endParaRPr>
           </a:p>
           <a:p>
+            <a:r>
+              <a:rPr lang="en-US" b="0" i="0" dirty="0">
+                <a:solidFill>
+                  <a:srgbClr val="3C3C43"/>
+                </a:solidFill>
+                <a:effectLst/>
+                <a:latin typeface="+mj-lt"/>
+              </a:rPr>
+              <a:t>Details are provided for failed tests, along with the basic reporter summary</a:t>
+            </a:r>
+          </a:p>
+          <a:p>
+            <a:pPr marL="540000" lvl="3" indent="0">
+              <a:buNone/>
+            </a:pPr>
+            <a:r>
+              <a:rPr lang="en-US" b="1" i="0" dirty="0">
+                <a:solidFill>
+                  <a:srgbClr val="3C3C43"/>
+                </a:solidFill>
+                <a:effectLst/>
+                <a:latin typeface="+mj-lt"/>
+              </a:rPr>
+              <a:t>. . . .</a:t>
+            </a:r>
+          </a:p>
+          <a:p>
             <a:pPr marL="0" indent="0">
               <a:buNone/>
             </a:pPr>
             <a:r>
-              <a:rPr lang="en-US" b="0" i="0" dirty="0">
-                <a:effectLst/>
+              <a:rPr lang="nl-NL" dirty="0">
                 <a:latin typeface="ui-monospace"/>
               </a:rPr>
-              <a:t>	✓ __tests__/file2.test.ts (5) 746ms</a:t>
-            </a:r>
-          </a:p>
-          <a:p>
-            <a:pPr marL="180000" lvl="1" indent="0">
-              <a:buNone/>
-            </a:pPr>
-            <a:r>
-              <a:rPr lang="en-US" b="0" i="0" dirty="0">
+              <a:t>	  </a:t>
+            </a:r>
+            <a:r>
+              <a:rPr lang="nl-NL" b="0" i="0" dirty="0">
                 <a:effectLst/>
                 <a:latin typeface="ui-monospace"/>
               </a:rPr>
-              <a:t>	</a:t>
-            </a:r>
-            <a:r>
-              <a:rPr lang="en-US" dirty="0">
+              <a:t>Test Files 2 </a:t>
+            </a:r>
+            <a:r>
+              <a:rPr lang="nl-NL" b="0" i="0" dirty="0" err="1">
+                <a:effectLst/>
                 <a:latin typeface="ui-monospace"/>
               </a:rPr>
-              <a:t>    </a:t>
-            </a:r>
-            <a:r>
-              <a:rPr lang="en-US" b="0" i="0" dirty="0">
+              <a:t>passed</a:t>
+            </a:r>
+            <a:r>
+              <a:rPr lang="nl-NL" b="0" i="0" dirty="0">
                 <a:effectLst/>
                 <a:latin typeface="ui-monospace"/>
               </a:rPr>
-              <a:t>✓ second test file (2) 746ms </a:t>
-            </a:r>
-          </a:p>
-          <a:p>
-            <a:pPr marL="180000" lvl="1" indent="0">
-              <a:buNone/>
-            </a:pPr>
-            <a:r>
-              <a:rPr lang="en-US" dirty="0">
-                <a:latin typeface="ui-monospace"/>
-              </a:rPr>
-              <a:t>	        </a:t>
-            </a:r>
-            <a:r>
-              <a:rPr lang="en-US" b="0" i="0" dirty="0">
-                <a:effectLst/>
-                <a:latin typeface="ui-monospace"/>
-              </a:rPr>
-              <a:t>✓ 1 + 1 should equal 2 </a:t>
-            </a:r>
-          </a:p>
-          <a:p>
-            <a:pPr marL="180000" lvl="1" indent="0">
-              <a:buNone/>
-            </a:pPr>
-            <a:r>
-              <a:rPr lang="en-US" dirty="0">
-                <a:latin typeface="ui-monospace"/>
-              </a:rPr>
-              <a:t>	        </a:t>
-            </a:r>
-            <a:r>
-              <a:rPr lang="en-US" b="0" i="0" dirty="0">
-                <a:effectLst/>
-                <a:latin typeface="ui-monospace"/>
-              </a:rPr>
-              <a:t>✓ 2 - 1 should equal 1</a:t>
-            </a:r>
-            <a:endParaRPr lang="en-US" dirty="0">
-              <a:solidFill>
-                <a:srgbClr val="3C3C43"/>
-              </a:solidFill>
-              <a:latin typeface="+mj-lt"/>
-            </a:endParaRPr>
+              <a:t> (2)</a:t>
+            </a:r>
           </a:p>
           <a:p>
             <a:pPr marL="0" indent="0">
               <a:buNone/>
             </a:pPr>
-            <a:endParaRPr lang="nl-NL" dirty="0">
-              <a:latin typeface="ui-monospace"/>
-            </a:endParaRPr>
+            <a:r>
+              <a:rPr lang="nl-NL" dirty="0">
+                <a:latin typeface="ui-monospace"/>
+              </a:rPr>
+              <a:t>	          </a:t>
+            </a:r>
+            <a:r>
+              <a:rPr lang="nl-NL" b="0" i="0" dirty="0">
+                <a:effectLst/>
+                <a:latin typeface="ui-monospace"/>
+              </a:rPr>
+              <a:t>Tests 4 </a:t>
+            </a:r>
+            <a:r>
+              <a:rPr lang="nl-NL" b="0" i="0" dirty="0" err="1">
+                <a:effectLst/>
+                <a:latin typeface="ui-monospace"/>
+              </a:rPr>
+              <a:t>passed</a:t>
+            </a:r>
+            <a:r>
+              <a:rPr lang="nl-NL" b="0" i="0" dirty="0">
+                <a:effectLst/>
+                <a:latin typeface="ui-monospace"/>
+              </a:rPr>
+              <a:t> (4)</a:t>
+            </a:r>
           </a:p>
           <a:p>
             <a:pPr marL="0" indent="0">
@@ -15606,90 +15709,14 @@
               <a:rPr lang="nl-NL" dirty="0">
                 <a:latin typeface="ui-monospace"/>
               </a:rPr>
-              <a:t>	  </a:t>
+              <a:t>	       </a:t>
             </a:r>
             <a:r>
               <a:rPr lang="nl-NL" b="0" i="0" dirty="0">
                 <a:effectLst/>
                 <a:latin typeface="ui-monospace"/>
               </a:rPr>
-              <a:t>Test Files 2 </a:t>
-            </a:r>
-            <a:r>
-              <a:rPr lang="nl-NL" b="0" i="0" dirty="0" err="1">
-                <a:effectLst/>
-                <a:latin typeface="ui-monospace"/>
-              </a:rPr>
-              <a:t>passed</a:t>
-            </a:r>
-            <a:r>
-              <a:rPr lang="nl-NL" b="0" i="0" dirty="0">
-                <a:effectLst/>
-                <a:latin typeface="ui-monospace"/>
-              </a:rPr>
-              <a:t> (2)</a:t>
-            </a:r>
-          </a:p>
-          <a:p>
-            <a:pPr marL="0" indent="0">
-              <a:buNone/>
-            </a:pPr>
-            <a:r>
-              <a:rPr lang="nl-NL" dirty="0">
-                <a:latin typeface="ui-monospace"/>
-              </a:rPr>
-              <a:t>	          </a:t>
-            </a:r>
-            <a:r>
-              <a:rPr lang="nl-NL" b="0" i="0" dirty="0">
-                <a:effectLst/>
-                <a:latin typeface="ui-monospace"/>
-              </a:rPr>
-              <a:t>Tests 4 </a:t>
-            </a:r>
-            <a:r>
-              <a:rPr lang="nl-NL" b="0" i="0" dirty="0" err="1">
-                <a:effectLst/>
-                <a:latin typeface="ui-monospace"/>
-              </a:rPr>
-              <a:t>passed</a:t>
-            </a:r>
-            <a:r>
-              <a:rPr lang="nl-NL" b="0" i="0" dirty="0">
-                <a:effectLst/>
-                <a:latin typeface="ui-monospace"/>
-              </a:rPr>
-              <a:t> (4)</a:t>
-            </a:r>
-          </a:p>
-          <a:p>
-            <a:pPr marL="0" indent="0">
-              <a:buNone/>
-            </a:pPr>
-            <a:r>
-              <a:rPr lang="nl-NL" dirty="0">
-                <a:latin typeface="ui-monospace"/>
-              </a:rPr>
-              <a:t>	       </a:t>
-            </a:r>
-            <a:r>
-              <a:rPr lang="nl-NL" b="0" i="0" dirty="0">
-                <a:effectLst/>
-                <a:latin typeface="ui-monospace"/>
-              </a:rPr>
-              <a:t>Start at 12:34:32</a:t>
-            </a:r>
-          </a:p>
-          <a:p>
-            <a:pPr marL="0" indent="0">
-              <a:buNone/>
-            </a:pPr>
-            <a:r>
-              <a:rPr lang="nl-NL" b="0" i="0" dirty="0">
-                <a:effectLst/>
-                <a:latin typeface="ui-monospace"/>
-              </a:rPr>
-              <a:t>	       </a:t>
+              <a:t>Start at 12:34:32 </a:t>
             </a:r>
             <a:r>
               <a:rPr lang="nl-NL" b="0" i="0" dirty="0" err="1">
@@ -15779,7 +15806,7 @@
     </p:spTree>
     <p:extLst>
       <p:ext uri="{BB962C8B-B14F-4D97-AF65-F5344CB8AC3E}">
-        <p14:creationId xmlns:p14="http://schemas.microsoft.com/office/powerpoint/2010/main" val="4239046025"/>
+        <p14:creationId xmlns:p14="http://schemas.microsoft.com/office/powerpoint/2010/main" val="3941090643"/>
       </p:ext>
     </p:extLst>
   </p:cSld>
@@ -44381,21 +44408,6 @@
 </file>
 
 <file path=customXml/item1.xml><?xml version="1.0" encoding="utf-8"?>
-<?mso-contentType ?>
-<FormTemplates xmlns="http://schemas.microsoft.com/sharepoint/v3/contenttype/forms">
-  <Display>DocumentLibraryForm</Display>
-  <Edit>DocumentLibraryForm</Edit>
-  <New>DocumentLibraryForm</New>
-</FormTemplates>
-</file>
-
-<file path=customXml/item2.xml><?xml version="1.0" encoding="utf-8"?>
-<p:properties xmlns:p="http://schemas.microsoft.com/office/2006/metadata/properties" xmlns:xsi="http://www.w3.org/2001/XMLSchema-instance" xmlns:pc="http://schemas.microsoft.com/office/infopath/2007/PartnerControls">
-  <documentManagement/>
-</p:properties>
-</file>
-
-<file path=customXml/item3.xml><?xml version="1.0" encoding="utf-8"?>
 <ct:contentTypeSchema xmlns:ct="http://schemas.microsoft.com/office/2006/metadata/contentType" xmlns:ma="http://schemas.microsoft.com/office/2006/metadata/properties/metaAttributes" ct:_="" ma:_="" ma:contentTypeName="Document" ma:contentTypeID="0x010100E60B9E64A7B90B499F767EB2F0BD9B16" ma:contentTypeVersion="6" ma:contentTypeDescription="Een nieuw document maken." ma:contentTypeScope="" ma:versionID="b06164b3fd5da11ca9f7bb1b82024672">
   <xsd:schema xmlns:xsd="http://www.w3.org/2001/XMLSchema" xmlns:xs="http://www.w3.org/2001/XMLSchema" xmlns:p="http://schemas.microsoft.com/office/2006/metadata/properties" xmlns:ns2="bd3a200e-a112-4432-b134-79c9e3991b87" xmlns:ns3="a74c57c6-afd1-46a5-a503-29300b13d321" targetNamespace="http://schemas.microsoft.com/office/2006/metadata/properties" ma:root="true" ma:fieldsID="12483fe1a591bf0ffa72e05baf87ef3d" ns2:_="" ns3:_="">
     <xsd:import namespace="bd3a200e-a112-4432-b134-79c9e3991b87"/>
@@ -44572,24 +44584,22 @@
 </ct:contentTypeSchema>
 </file>
 
-<file path=customXml/itemProps1.xml><?xml version="1.0" encoding="utf-8"?>
-<ds:datastoreItem xmlns:ds="http://schemas.openxmlformats.org/officeDocument/2006/customXml" ds:itemID="{15DF2822-16E4-4479-B239-41A079CBB65B}">
-  <ds:schemaRefs>
-    <ds:schemaRef ds:uri="http://schemas.microsoft.com/sharepoint/v3/contenttype/forms"/>
-  </ds:schemaRefs>
-</ds:datastoreItem>
+<file path=customXml/item2.xml><?xml version="1.0" encoding="utf-8"?>
+<?mso-contentType ?>
+<FormTemplates xmlns="http://schemas.microsoft.com/sharepoint/v3/contenttype/forms">
+  <Display>DocumentLibraryForm</Display>
+  <Edit>DocumentLibraryForm</Edit>
+  <New>DocumentLibraryForm</New>
+</FormTemplates>
 </file>
 
-<file path=customXml/itemProps2.xml><?xml version="1.0" encoding="utf-8"?>
-<ds:datastoreItem xmlns:ds="http://schemas.openxmlformats.org/officeDocument/2006/customXml" ds:itemID="{63653586-D9AD-4A7C-AE25-8F164514A81A}">
-  <ds:schemaRefs>
-    <ds:schemaRef ds:uri="http://schemas.microsoft.com/office/2006/metadata/properties"/>
-    <ds:schemaRef ds:uri="http://schemas.microsoft.com/office/infopath/2007/PartnerControls"/>
-  </ds:schemaRefs>
-</ds:datastoreItem>
+<file path=customXml/item3.xml><?xml version="1.0" encoding="utf-8"?>
+<p:properties xmlns:p="http://schemas.microsoft.com/office/2006/metadata/properties" xmlns:xsi="http://www.w3.org/2001/XMLSchema-instance" xmlns:pc="http://schemas.microsoft.com/office/infopath/2007/PartnerControls">
+  <documentManagement/>
+</p:properties>
 </file>
 
-<file path=customXml/itemProps3.xml><?xml version="1.0" encoding="utf-8"?>
+<file path=customXml/itemProps1.xml><?xml version="1.0" encoding="utf-8"?>
 <ds:datastoreItem xmlns:ds="http://schemas.openxmlformats.org/officeDocument/2006/customXml" ds:itemID="{3820B2B8-E73A-4CEA-B66F-D4C256B09F5E}">
   <ds:schemaRefs>
     <ds:schemaRef ds:uri="http://schemas.microsoft.com/office/2006/metadata/contentType"/>
@@ -44606,4 +44616,21 @@
     <ds:schemaRef ds:uri="http://schemas.microsoft.com/internal/obd"/>
   </ds:schemaRefs>
 </ds:datastoreItem>
+</file>
+
+<file path=customXml/itemProps2.xml><?xml version="1.0" encoding="utf-8"?>
+<ds:datastoreItem xmlns:ds="http://schemas.openxmlformats.org/officeDocument/2006/customXml" ds:itemID="{15DF2822-16E4-4479-B239-41A079CBB65B}">
+  <ds:schemaRefs>
+    <ds:schemaRef ds:uri="http://schemas.microsoft.com/sharepoint/v3/contenttype/forms"/>
+  </ds:schemaRefs>
+</ds:datastoreItem>
+</file>
+
+<file path=customXml/itemProps3.xml><?xml version="1.0" encoding="utf-8"?>
+<ds:datastoreItem xmlns:ds="http://schemas.openxmlformats.org/officeDocument/2006/customXml" ds:itemID="{63653586-D9AD-4A7C-AE25-8F164514A81A}">
+  <ds:schemaRefs>
+    <ds:schemaRef ds:uri="http://schemas.microsoft.com/office/2006/metadata/properties"/>
+    <ds:schemaRef ds:uri="http://schemas.microsoft.com/office/infopath/2007/PartnerControls"/>
+  </ds:schemaRefs>
+</ds:datastoreItem>
 </file>